--- a/signs/signs.pptx
+++ b/signs/signs.pptx
@@ -5,17 +5,18 @@
     <p:sldMasterId id="2147483648" r:id="rId1"/>
   </p:sldMasterIdLst>
   <p:notesMasterIdLst>
-    <p:notesMasterId r:id="rId10"/>
+    <p:notesMasterId r:id="rId11"/>
   </p:notesMasterIdLst>
   <p:sldIdLst>
     <p:sldId id="258" r:id="rId2"/>
-    <p:sldId id="262" r:id="rId3"/>
-    <p:sldId id="264" r:id="rId4"/>
-    <p:sldId id="267" r:id="rId5"/>
-    <p:sldId id="270" r:id="rId6"/>
-    <p:sldId id="269" r:id="rId7"/>
-    <p:sldId id="266" r:id="rId8"/>
-    <p:sldId id="265" r:id="rId9"/>
+    <p:sldId id="271" r:id="rId3"/>
+    <p:sldId id="262" r:id="rId4"/>
+    <p:sldId id="264" r:id="rId5"/>
+    <p:sldId id="267" r:id="rId6"/>
+    <p:sldId id="270" r:id="rId7"/>
+    <p:sldId id="269" r:id="rId8"/>
+    <p:sldId id="266" r:id="rId9"/>
+    <p:sldId id="265" r:id="rId10"/>
   </p:sldIdLst>
   <p:sldSz cx="10691813" cy="7559675"/>
   <p:notesSz cx="6858000" cy="9144000"/>
@@ -1199,6 +1200,106 @@
           <a:chExt cx="0" cy="0"/>
         </a:xfrm>
       </p:grpSpPr>
+      <p:pic>
+        <p:nvPicPr>
+          <p:cNvPr id="5" name="Picture Placeholder 4" descr="A picture containing drawing, clock&#10;&#10;Description automatically generated">
+            <a:extLst>
+              <a:ext uri="{FF2B5EF4-FFF2-40B4-BE49-F238E27FC236}">
+                <a16:creationId xmlns:a16="http://schemas.microsoft.com/office/drawing/2014/main" id="{6EE661D4-7341-4250-A68A-0E85D36BB6AE}"/>
+              </a:ext>
+            </a:extLst>
+          </p:cNvPr>
+          <p:cNvPicPr preferRelativeResize="0">
+            <a:picLocks noGrp="1"/>
+          </p:cNvPicPr>
+          <p:nvPr>
+            <p:ph type="pic" sz="quarter" idx="10"/>
+          </p:nvPr>
+        </p:nvPicPr>
+        <p:blipFill>
+          <a:blip r:embed="rId2">
+            <a:extLst>
+              <a:ext uri="{28A0092B-C50C-407E-A947-70E740481C1C}">
+                <a14:useLocalDpi xmlns:a14="http://schemas.microsoft.com/office/drawing/2010/main" val="0"/>
+              </a:ext>
+            </a:extLst>
+          </a:blip>
+          <a:stretch>
+            <a:fillRect/>
+          </a:stretch>
+        </p:blipFill>
+        <p:spPr>
+          <a:xfrm>
+            <a:off x="3977113" y="2264344"/>
+            <a:ext cx="2737586" cy="2621554"/>
+          </a:xfrm>
+        </p:spPr>
+      </p:pic>
+      <p:sp>
+        <p:nvSpPr>
+          <p:cNvPr id="3" name="Text Placeholder 2">
+            <a:extLst>
+              <a:ext uri="{FF2B5EF4-FFF2-40B4-BE49-F238E27FC236}">
+                <a16:creationId xmlns:a16="http://schemas.microsoft.com/office/drawing/2014/main" id="{75D26587-D4E9-496F-A15F-FF56919961EC}"/>
+              </a:ext>
+            </a:extLst>
+          </p:cNvPr>
+          <p:cNvSpPr>
+            <a:spLocks noGrp="1"/>
+          </p:cNvSpPr>
+          <p:nvPr>
+            <p:ph type="body" sz="quarter" idx="11"/>
+          </p:nvPr>
+        </p:nvSpPr>
+        <p:spPr>
+          <a:xfrm>
+            <a:off x="2093726" y="5188851"/>
+            <a:ext cx="6504364" cy="2030816"/>
+          </a:xfrm>
+        </p:spPr>
+        <p:txBody>
+          <a:bodyPr>
+            <a:normAutofit/>
+          </a:bodyPr>
+          <a:lstStyle/>
+          <a:p>
+            <a:r>
+              <a:rPr lang="en-GB" sz="6600" dirty="0"/>
+              <a:t>PHOTOGRAPHY BEYOND THIS POINT</a:t>
+            </a:r>
+          </a:p>
+        </p:txBody>
+      </p:sp>
+    </p:spTree>
+    <p:extLst>
+      <p:ext uri="{BB962C8B-B14F-4D97-AF65-F5344CB8AC3E}">
+        <p14:creationId xmlns:p14="http://schemas.microsoft.com/office/powerpoint/2010/main" val="3549714815"/>
+      </p:ext>
+    </p:extLst>
+  </p:cSld>
+  <p:clrMapOvr>
+    <a:masterClrMapping/>
+  </p:clrMapOvr>
+</p:sld>
+</file>
+
+<file path=ppt/slides/slide3.xml><?xml version="1.0" encoding="utf-8"?>
+<p:sld xmlns:a="http://schemas.openxmlformats.org/drawingml/2006/main" xmlns:r="http://schemas.openxmlformats.org/officeDocument/2006/relationships" xmlns:p="http://schemas.openxmlformats.org/presentationml/2006/main">
+  <p:cSld>
+    <p:spTree>
+      <p:nvGrpSpPr>
+        <p:cNvPr id="1" name=""/>
+        <p:cNvGrpSpPr/>
+        <p:nvPr/>
+      </p:nvGrpSpPr>
+      <p:grpSpPr>
+        <a:xfrm>
+          <a:off x="0" y="0"/>
+          <a:ext cx="0" cy="0"/>
+          <a:chOff x="0" y="0"/>
+          <a:chExt cx="0" cy="0"/>
+        </a:xfrm>
+      </p:grpSpPr>
       <p:sp>
         <p:nvSpPr>
           <p:cNvPr id="2" name="Text Placeholder 1">
@@ -1246,7 +1347,7 @@
 </p:sld>
 </file>
 
-<file path=ppt/slides/slide3.xml><?xml version="1.0" encoding="utf-8"?>
+<file path=ppt/slides/slide4.xml><?xml version="1.0" encoding="utf-8"?>
 <p:sld xmlns:a="http://schemas.openxmlformats.org/drawingml/2006/main" xmlns:r="http://schemas.openxmlformats.org/officeDocument/2006/relationships" xmlns:p="http://schemas.openxmlformats.org/presentationml/2006/main">
   <p:cSld>
     <p:spTree>
@@ -1310,7 +1411,7 @@
 </p:sld>
 </file>
 
-<file path=ppt/slides/slide4.xml><?xml version="1.0" encoding="utf-8"?>
+<file path=ppt/slides/slide5.xml><?xml version="1.0" encoding="utf-8"?>
 <p:sld xmlns:a="http://schemas.openxmlformats.org/drawingml/2006/main" xmlns:r="http://schemas.openxmlformats.org/officeDocument/2006/relationships" xmlns:p="http://schemas.openxmlformats.org/presentationml/2006/main">
   <p:cSld>
     <p:spTree>
@@ -1374,7 +1475,7 @@
 </p:sld>
 </file>
 
-<file path=ppt/slides/slide5.xml><?xml version="1.0" encoding="utf-8"?>
+<file path=ppt/slides/slide6.xml><?xml version="1.0" encoding="utf-8"?>
 <p:sld xmlns:a="http://schemas.openxmlformats.org/drawingml/2006/main" xmlns:r="http://schemas.openxmlformats.org/officeDocument/2006/relationships" xmlns:p="http://schemas.openxmlformats.org/presentationml/2006/main">
   <p:cSld>
     <p:spTree>
@@ -1438,7 +1539,7 @@
 </p:sld>
 </file>
 
-<file path=ppt/slides/slide6.xml><?xml version="1.0" encoding="utf-8"?>
+<file path=ppt/slides/slide7.xml><?xml version="1.0" encoding="utf-8"?>
 <p:sld xmlns:a="http://schemas.openxmlformats.org/drawingml/2006/main" xmlns:r="http://schemas.openxmlformats.org/officeDocument/2006/relationships" xmlns:p="http://schemas.openxmlformats.org/presentationml/2006/main">
   <p:cSld>
     <p:spTree>
@@ -1502,7 +1603,7 @@
 </p:sld>
 </file>
 
-<file path=ppt/slides/slide7.xml><?xml version="1.0" encoding="utf-8"?>
+<file path=ppt/slides/slide8.xml><?xml version="1.0" encoding="utf-8"?>
 <p:sld xmlns:a="http://schemas.openxmlformats.org/drawingml/2006/main" xmlns:r="http://schemas.openxmlformats.org/officeDocument/2006/relationships" xmlns:p="http://schemas.openxmlformats.org/presentationml/2006/main">
   <p:cSld>
     <p:spTree>
@@ -1572,7 +1673,7 @@
 </p:sld>
 </file>
 
-<file path=ppt/slides/slide8.xml><?xml version="1.0" encoding="utf-8"?>
+<file path=ppt/slides/slide9.xml><?xml version="1.0" encoding="utf-8"?>
 <p:sld xmlns:a="http://schemas.openxmlformats.org/drawingml/2006/main" xmlns:r="http://schemas.openxmlformats.org/officeDocument/2006/relationships" xmlns:p="http://schemas.openxmlformats.org/presentationml/2006/main">
   <p:cSld>
     <p:spTree>
@@ -1602,17 +1703,19 @@
             <a:spLocks noGrp="1"/>
           </p:cNvSpPr>
           <p:nvPr>
-            <p:ph type="body" sz="quarter" idx="10"/>
+            <p:ph type="body" sz="quarter" idx="11"/>
           </p:nvPr>
         </p:nvSpPr>
         <p:spPr>
           <a:xfrm>
-            <a:off x="726281" y="2824827"/>
-            <a:ext cx="9239249" cy="3098302"/>
+            <a:off x="1400968" y="5624157"/>
+            <a:ext cx="7889875" cy="1323975"/>
           </a:xfrm>
         </p:spPr>
         <p:txBody>
-          <a:bodyPr/>
+          <a:bodyPr>
+            <a:normAutofit fontScale="62500" lnSpcReduction="20000"/>
+          </a:bodyPr>
           <a:lstStyle/>
           <a:p>
             <a:r>
@@ -1623,6 +1726,123 @@
           </a:p>
         </p:txBody>
       </p:sp>
+      <p:grpSp>
+        <p:nvGrpSpPr>
+          <p:cNvPr id="7" name="Group 6">
+            <a:extLst>
+              <a:ext uri="{FF2B5EF4-FFF2-40B4-BE49-F238E27FC236}">
+                <a16:creationId xmlns:a16="http://schemas.microsoft.com/office/drawing/2014/main" id="{FF394D0F-7A12-431B-9585-D93148523D01}"/>
+              </a:ext>
+            </a:extLst>
+          </p:cNvPr>
+          <p:cNvGrpSpPr/>
+          <p:nvPr/>
+        </p:nvGrpSpPr>
+        <p:grpSpPr>
+          <a:xfrm>
+            <a:off x="3955845" y="2240793"/>
+            <a:ext cx="2456052" cy="2454038"/>
+            <a:chOff x="3885055" y="2074526"/>
+            <a:chExt cx="2597632" cy="2595502"/>
+          </a:xfrm>
+        </p:grpSpPr>
+        <p:sp>
+          <p:nvSpPr>
+            <p:cNvPr id="4" name="Oval 3">
+              <a:extLst>
+                <a:ext uri="{FF2B5EF4-FFF2-40B4-BE49-F238E27FC236}">
+                  <a16:creationId xmlns:a16="http://schemas.microsoft.com/office/drawing/2014/main" id="{A825D0D4-9D62-4AFE-83A6-49D3AF40C275}"/>
+                </a:ext>
+              </a:extLst>
+            </p:cNvPr>
+            <p:cNvSpPr/>
+            <p:nvPr/>
+          </p:nvSpPr>
+          <p:spPr>
+            <a:xfrm>
+              <a:off x="3885055" y="2074526"/>
+              <a:ext cx="2597632" cy="2595502"/>
+            </a:xfrm>
+            <a:prstGeom prst="ellipse">
+              <a:avLst/>
+            </a:prstGeom>
+            <a:noFill/>
+            <a:ln w="317500">
+              <a:solidFill>
+                <a:srgbClr val="FF0000"/>
+              </a:solidFill>
+            </a:ln>
+          </p:spPr>
+          <p:style>
+            <a:lnRef idx="2">
+              <a:schemeClr val="accent1">
+                <a:shade val="50000"/>
+              </a:schemeClr>
+            </a:lnRef>
+            <a:fillRef idx="1">
+              <a:schemeClr val="accent1"/>
+            </a:fillRef>
+            <a:effectRef idx="0">
+              <a:schemeClr val="accent1"/>
+            </a:effectRef>
+            <a:fontRef idx="minor">
+              <a:schemeClr val="lt1"/>
+            </a:fontRef>
+          </p:style>
+          <p:txBody>
+            <a:bodyPr rtlCol="0" anchor="ctr"/>
+            <a:lstStyle/>
+            <a:p>
+              <a:pPr algn="ctr"/>
+              <a:endParaRPr lang="en-GB"/>
+            </a:p>
+          </p:txBody>
+        </p:sp>
+        <p:cxnSp>
+          <p:nvCxnSpPr>
+            <p:cNvPr id="6" name="Straight Connector 5">
+              <a:extLst>
+                <a:ext uri="{FF2B5EF4-FFF2-40B4-BE49-F238E27FC236}">
+                  <a16:creationId xmlns:a16="http://schemas.microsoft.com/office/drawing/2014/main" id="{9CDEF659-7F22-49FF-9A03-25E3B01F8385}"/>
+                </a:ext>
+              </a:extLst>
+            </p:cNvPr>
+            <p:cNvCxnSpPr>
+              <a:stCxn id="4" idx="1"/>
+              <a:endCxn id="4" idx="5"/>
+            </p:cNvCxnSpPr>
+            <p:nvPr/>
+          </p:nvCxnSpPr>
+          <p:spPr>
+            <a:xfrm>
+              <a:off x="4265469" y="2454628"/>
+              <a:ext cx="1836804" cy="1835298"/>
+            </a:xfrm>
+            <a:prstGeom prst="line">
+              <a:avLst/>
+            </a:prstGeom>
+            <a:ln w="317500">
+              <a:solidFill>
+                <a:srgbClr val="FF0000"/>
+              </a:solidFill>
+            </a:ln>
+          </p:spPr>
+          <p:style>
+            <a:lnRef idx="1">
+              <a:schemeClr val="accent1"/>
+            </a:lnRef>
+            <a:fillRef idx="0">
+              <a:schemeClr val="accent1"/>
+            </a:fillRef>
+            <a:effectRef idx="0">
+              <a:schemeClr val="accent1"/>
+            </a:effectRef>
+            <a:fontRef idx="minor">
+              <a:schemeClr val="tx1"/>
+            </a:fontRef>
+          </p:style>
+        </p:cxnSp>
+      </p:grpSp>
     </p:spTree>
     <p:extLst>
       <p:ext uri="{BB962C8B-B14F-4D97-AF65-F5344CB8AC3E}">

--- a/signs/signs.pptx
+++ b/signs/signs.pptx
@@ -5,18 +5,19 @@
     <p:sldMasterId id="2147483648" r:id="rId1"/>
   </p:sldMasterIdLst>
   <p:notesMasterIdLst>
-    <p:notesMasterId r:id="rId11"/>
+    <p:notesMasterId r:id="rId12"/>
   </p:notesMasterIdLst>
   <p:sldIdLst>
     <p:sldId id="258" r:id="rId2"/>
-    <p:sldId id="271" r:id="rId3"/>
-    <p:sldId id="262" r:id="rId4"/>
-    <p:sldId id="264" r:id="rId5"/>
-    <p:sldId id="267" r:id="rId6"/>
-    <p:sldId id="270" r:id="rId7"/>
-    <p:sldId id="269" r:id="rId8"/>
-    <p:sldId id="266" r:id="rId9"/>
-    <p:sldId id="265" r:id="rId10"/>
+    <p:sldId id="272" r:id="rId3"/>
+    <p:sldId id="273" r:id="rId4"/>
+    <p:sldId id="271" r:id="rId5"/>
+    <p:sldId id="262" r:id="rId6"/>
+    <p:sldId id="267" r:id="rId7"/>
+    <p:sldId id="270" r:id="rId8"/>
+    <p:sldId id="269" r:id="rId9"/>
+    <p:sldId id="266" r:id="rId10"/>
+    <p:sldId id="265" r:id="rId11"/>
   </p:sldIdLst>
   <p:sldSz cx="10691813" cy="7559675"/>
   <p:notesSz cx="6858000" cy="9144000"/>
@@ -1183,497 +1184,7 @@
 </p:sld>
 </file>
 
-<file path=ppt/slides/slide2.xml><?xml version="1.0" encoding="utf-8"?>
-<p:sld xmlns:a="http://schemas.openxmlformats.org/drawingml/2006/main" xmlns:r="http://schemas.openxmlformats.org/officeDocument/2006/relationships" xmlns:p="http://schemas.openxmlformats.org/presentationml/2006/main">
-  <p:cSld>
-    <p:spTree>
-      <p:nvGrpSpPr>
-        <p:cNvPr id="1" name=""/>
-        <p:cNvGrpSpPr/>
-        <p:nvPr/>
-      </p:nvGrpSpPr>
-      <p:grpSpPr>
-        <a:xfrm>
-          <a:off x="0" y="0"/>
-          <a:ext cx="0" cy="0"/>
-          <a:chOff x="0" y="0"/>
-          <a:chExt cx="0" cy="0"/>
-        </a:xfrm>
-      </p:grpSpPr>
-      <p:pic>
-        <p:nvPicPr>
-          <p:cNvPr id="5" name="Picture Placeholder 4" descr="A picture containing drawing, clock&#10;&#10;Description automatically generated">
-            <a:extLst>
-              <a:ext uri="{FF2B5EF4-FFF2-40B4-BE49-F238E27FC236}">
-                <a16:creationId xmlns:a16="http://schemas.microsoft.com/office/drawing/2014/main" id="{6EE661D4-7341-4250-A68A-0E85D36BB6AE}"/>
-              </a:ext>
-            </a:extLst>
-          </p:cNvPr>
-          <p:cNvPicPr preferRelativeResize="0">
-            <a:picLocks noGrp="1"/>
-          </p:cNvPicPr>
-          <p:nvPr>
-            <p:ph type="pic" sz="quarter" idx="10"/>
-          </p:nvPr>
-        </p:nvPicPr>
-        <p:blipFill>
-          <a:blip r:embed="rId2">
-            <a:extLst>
-              <a:ext uri="{28A0092B-C50C-407E-A947-70E740481C1C}">
-                <a14:useLocalDpi xmlns:a14="http://schemas.microsoft.com/office/drawing/2010/main" val="0"/>
-              </a:ext>
-            </a:extLst>
-          </a:blip>
-          <a:stretch>
-            <a:fillRect/>
-          </a:stretch>
-        </p:blipFill>
-        <p:spPr>
-          <a:xfrm>
-            <a:off x="3977113" y="2264344"/>
-            <a:ext cx="2737586" cy="2621554"/>
-          </a:xfrm>
-        </p:spPr>
-      </p:pic>
-      <p:sp>
-        <p:nvSpPr>
-          <p:cNvPr id="3" name="Text Placeholder 2">
-            <a:extLst>
-              <a:ext uri="{FF2B5EF4-FFF2-40B4-BE49-F238E27FC236}">
-                <a16:creationId xmlns:a16="http://schemas.microsoft.com/office/drawing/2014/main" id="{75D26587-D4E9-496F-A15F-FF56919961EC}"/>
-              </a:ext>
-            </a:extLst>
-          </p:cNvPr>
-          <p:cNvSpPr>
-            <a:spLocks noGrp="1"/>
-          </p:cNvSpPr>
-          <p:nvPr>
-            <p:ph type="body" sz="quarter" idx="11"/>
-          </p:nvPr>
-        </p:nvSpPr>
-        <p:spPr>
-          <a:xfrm>
-            <a:off x="2093726" y="5188851"/>
-            <a:ext cx="6504364" cy="2030816"/>
-          </a:xfrm>
-        </p:spPr>
-        <p:txBody>
-          <a:bodyPr>
-            <a:normAutofit/>
-          </a:bodyPr>
-          <a:lstStyle/>
-          <a:p>
-            <a:r>
-              <a:rPr lang="en-GB" sz="6600" dirty="0"/>
-              <a:t>PHOTOGRAPHY BEYOND THIS POINT</a:t>
-            </a:r>
-          </a:p>
-        </p:txBody>
-      </p:sp>
-    </p:spTree>
-    <p:extLst>
-      <p:ext uri="{BB962C8B-B14F-4D97-AF65-F5344CB8AC3E}">
-        <p14:creationId xmlns:p14="http://schemas.microsoft.com/office/powerpoint/2010/main" val="3549714815"/>
-      </p:ext>
-    </p:extLst>
-  </p:cSld>
-  <p:clrMapOvr>
-    <a:masterClrMapping/>
-  </p:clrMapOvr>
-</p:sld>
-</file>
-
-<file path=ppt/slides/slide3.xml><?xml version="1.0" encoding="utf-8"?>
-<p:sld xmlns:a="http://schemas.openxmlformats.org/drawingml/2006/main" xmlns:r="http://schemas.openxmlformats.org/officeDocument/2006/relationships" xmlns:p="http://schemas.openxmlformats.org/presentationml/2006/main">
-  <p:cSld>
-    <p:spTree>
-      <p:nvGrpSpPr>
-        <p:cNvPr id="1" name=""/>
-        <p:cNvGrpSpPr/>
-        <p:nvPr/>
-      </p:nvGrpSpPr>
-      <p:grpSpPr>
-        <a:xfrm>
-          <a:off x="0" y="0"/>
-          <a:ext cx="0" cy="0"/>
-          <a:chOff x="0" y="0"/>
-          <a:chExt cx="0" cy="0"/>
-        </a:xfrm>
-      </p:grpSpPr>
-      <p:sp>
-        <p:nvSpPr>
-          <p:cNvPr id="2" name="Text Placeholder 1">
-            <a:extLst>
-              <a:ext uri="{FF2B5EF4-FFF2-40B4-BE49-F238E27FC236}">
-                <a16:creationId xmlns:a16="http://schemas.microsoft.com/office/drawing/2014/main" id="{C30B016A-7556-446C-9027-ABABC86835C0}"/>
-              </a:ext>
-            </a:extLst>
-          </p:cNvPr>
-          <p:cNvSpPr>
-            <a:spLocks noGrp="1"/>
-          </p:cNvSpPr>
-          <p:nvPr>
-            <p:ph type="body" sz="quarter" idx="10"/>
-          </p:nvPr>
-        </p:nvSpPr>
-        <p:spPr>
-          <a:xfrm>
-            <a:off x="726281" y="2701997"/>
-            <a:ext cx="9239249" cy="3098302"/>
-          </a:xfrm>
-        </p:spPr>
-        <p:txBody>
-          <a:bodyPr/>
-          <a:lstStyle/>
-          <a:p>
-            <a:r>
-              <a:rPr lang="en-GB" sz="23900" dirty="0"/>
-              <a:t>EXIT</a:t>
-            </a:r>
-            <a:endParaRPr lang="en-GB" dirty="0"/>
-          </a:p>
-        </p:txBody>
-      </p:sp>
-    </p:spTree>
-    <p:extLst>
-      <p:ext uri="{BB962C8B-B14F-4D97-AF65-F5344CB8AC3E}">
-        <p14:creationId xmlns:p14="http://schemas.microsoft.com/office/powerpoint/2010/main" val="3071498411"/>
-      </p:ext>
-    </p:extLst>
-  </p:cSld>
-  <p:clrMapOvr>
-    <a:masterClrMapping/>
-  </p:clrMapOvr>
-</p:sld>
-</file>
-
-<file path=ppt/slides/slide4.xml><?xml version="1.0" encoding="utf-8"?>
-<p:sld xmlns:a="http://schemas.openxmlformats.org/drawingml/2006/main" xmlns:r="http://schemas.openxmlformats.org/officeDocument/2006/relationships" xmlns:p="http://schemas.openxmlformats.org/presentationml/2006/main">
-  <p:cSld>
-    <p:spTree>
-      <p:nvGrpSpPr>
-        <p:cNvPr id="1" name=""/>
-        <p:cNvGrpSpPr/>
-        <p:nvPr/>
-      </p:nvGrpSpPr>
-      <p:grpSpPr>
-        <a:xfrm>
-          <a:off x="0" y="0"/>
-          <a:ext cx="0" cy="0"/>
-          <a:chOff x="0" y="0"/>
-          <a:chExt cx="0" cy="0"/>
-        </a:xfrm>
-      </p:grpSpPr>
-      <p:sp>
-        <p:nvSpPr>
-          <p:cNvPr id="2" name="Text Placeholder 1">
-            <a:extLst>
-              <a:ext uri="{FF2B5EF4-FFF2-40B4-BE49-F238E27FC236}">
-                <a16:creationId xmlns:a16="http://schemas.microsoft.com/office/drawing/2014/main" id="{C30B016A-7556-446C-9027-ABABC86835C0}"/>
-              </a:ext>
-            </a:extLst>
-          </p:cNvPr>
-          <p:cNvSpPr>
-            <a:spLocks noGrp="1"/>
-          </p:cNvSpPr>
-          <p:nvPr>
-            <p:ph type="body" sz="quarter" idx="10"/>
-          </p:nvPr>
-        </p:nvSpPr>
-        <p:spPr>
-          <a:xfrm>
-            <a:off x="726281" y="2701997"/>
-            <a:ext cx="9239249" cy="3098302"/>
-          </a:xfrm>
-        </p:spPr>
-        <p:txBody>
-          <a:bodyPr/>
-          <a:lstStyle/>
-          <a:p>
-            <a:r>
-              <a:rPr lang="en-GB" sz="23900" dirty="0"/>
-              <a:t>ARENA</a:t>
-            </a:r>
-            <a:endParaRPr lang="en-GB" dirty="0"/>
-          </a:p>
-        </p:txBody>
-      </p:sp>
-    </p:spTree>
-    <p:extLst>
-      <p:ext uri="{BB962C8B-B14F-4D97-AF65-F5344CB8AC3E}">
-        <p14:creationId xmlns:p14="http://schemas.microsoft.com/office/powerpoint/2010/main" val="2279350906"/>
-      </p:ext>
-    </p:extLst>
-  </p:cSld>
-  <p:clrMapOvr>
-    <a:masterClrMapping/>
-  </p:clrMapOvr>
-</p:sld>
-</file>
-
-<file path=ppt/slides/slide5.xml><?xml version="1.0" encoding="utf-8"?>
-<p:sld xmlns:a="http://schemas.openxmlformats.org/drawingml/2006/main" xmlns:r="http://schemas.openxmlformats.org/officeDocument/2006/relationships" xmlns:p="http://schemas.openxmlformats.org/presentationml/2006/main">
-  <p:cSld>
-    <p:spTree>
-      <p:nvGrpSpPr>
-        <p:cNvPr id="1" name=""/>
-        <p:cNvGrpSpPr/>
-        <p:nvPr/>
-      </p:nvGrpSpPr>
-      <p:grpSpPr>
-        <a:xfrm>
-          <a:off x="0" y="0"/>
-          <a:ext cx="0" cy="0"/>
-          <a:chOff x="0" y="0"/>
-          <a:chExt cx="0" cy="0"/>
-        </a:xfrm>
-      </p:grpSpPr>
-      <p:sp>
-        <p:nvSpPr>
-          <p:cNvPr id="2" name="Text Placeholder 1">
-            <a:extLst>
-              <a:ext uri="{FF2B5EF4-FFF2-40B4-BE49-F238E27FC236}">
-                <a16:creationId xmlns:a16="http://schemas.microsoft.com/office/drawing/2014/main" id="{C30B016A-7556-446C-9027-ABABC86835C0}"/>
-              </a:ext>
-            </a:extLst>
-          </p:cNvPr>
-          <p:cNvSpPr>
-            <a:spLocks noGrp="1"/>
-          </p:cNvSpPr>
-          <p:nvPr>
-            <p:ph type="body" sz="quarter" idx="10"/>
-          </p:nvPr>
-        </p:nvSpPr>
-        <p:spPr>
-          <a:xfrm>
-            <a:off x="726281" y="3097782"/>
-            <a:ext cx="9239249" cy="3098302"/>
-          </a:xfrm>
-        </p:spPr>
-        <p:txBody>
-          <a:bodyPr/>
-          <a:lstStyle/>
-          <a:p>
-            <a:r>
-              <a:rPr lang="en-GB" sz="13800" dirty="0"/>
-              <a:t>STAGING IN</a:t>
-            </a:r>
-            <a:endParaRPr lang="en-GB" sz="6600" dirty="0"/>
-          </a:p>
-        </p:txBody>
-      </p:sp>
-    </p:spTree>
-    <p:extLst>
-      <p:ext uri="{BB962C8B-B14F-4D97-AF65-F5344CB8AC3E}">
-        <p14:creationId xmlns:p14="http://schemas.microsoft.com/office/powerpoint/2010/main" val="1098096009"/>
-      </p:ext>
-    </p:extLst>
-  </p:cSld>
-  <p:clrMapOvr>
-    <a:masterClrMapping/>
-  </p:clrMapOvr>
-</p:sld>
-</file>
-
-<file path=ppt/slides/slide6.xml><?xml version="1.0" encoding="utf-8"?>
-<p:sld xmlns:a="http://schemas.openxmlformats.org/drawingml/2006/main" xmlns:r="http://schemas.openxmlformats.org/officeDocument/2006/relationships" xmlns:p="http://schemas.openxmlformats.org/presentationml/2006/main">
-  <p:cSld>
-    <p:spTree>
-      <p:nvGrpSpPr>
-        <p:cNvPr id="1" name=""/>
-        <p:cNvGrpSpPr/>
-        <p:nvPr/>
-      </p:nvGrpSpPr>
-      <p:grpSpPr>
-        <a:xfrm>
-          <a:off x="0" y="0"/>
-          <a:ext cx="0" cy="0"/>
-          <a:chOff x="0" y="0"/>
-          <a:chExt cx="0" cy="0"/>
-        </a:xfrm>
-      </p:grpSpPr>
-      <p:sp>
-        <p:nvSpPr>
-          <p:cNvPr id="2" name="Text Placeholder 1">
-            <a:extLst>
-              <a:ext uri="{FF2B5EF4-FFF2-40B4-BE49-F238E27FC236}">
-                <a16:creationId xmlns:a16="http://schemas.microsoft.com/office/drawing/2014/main" id="{C30B016A-7556-446C-9027-ABABC86835C0}"/>
-              </a:ext>
-            </a:extLst>
-          </p:cNvPr>
-          <p:cNvSpPr>
-            <a:spLocks noGrp="1"/>
-          </p:cNvSpPr>
-          <p:nvPr>
-            <p:ph type="body" sz="quarter" idx="10"/>
-          </p:nvPr>
-        </p:nvSpPr>
-        <p:spPr>
-          <a:xfrm>
-            <a:off x="726281" y="3138725"/>
-            <a:ext cx="9239249" cy="3098302"/>
-          </a:xfrm>
-        </p:spPr>
-        <p:txBody>
-          <a:bodyPr/>
-          <a:lstStyle/>
-          <a:p>
-            <a:r>
-              <a:rPr lang="en-GB" sz="13800" dirty="0"/>
-              <a:t>STAGING OUT</a:t>
-            </a:r>
-            <a:endParaRPr lang="en-GB" sz="6600" dirty="0"/>
-          </a:p>
-        </p:txBody>
-      </p:sp>
-    </p:spTree>
-    <p:extLst>
-      <p:ext uri="{BB962C8B-B14F-4D97-AF65-F5344CB8AC3E}">
-        <p14:creationId xmlns:p14="http://schemas.microsoft.com/office/powerpoint/2010/main" val="3202793763"/>
-      </p:ext>
-    </p:extLst>
-  </p:cSld>
-  <p:clrMapOvr>
-    <a:masterClrMapping/>
-  </p:clrMapOvr>
-</p:sld>
-</file>
-
-<file path=ppt/slides/slide7.xml><?xml version="1.0" encoding="utf-8"?>
-<p:sld xmlns:a="http://schemas.openxmlformats.org/drawingml/2006/main" xmlns:r="http://schemas.openxmlformats.org/officeDocument/2006/relationships" xmlns:p="http://schemas.openxmlformats.org/presentationml/2006/main">
-  <p:cSld>
-    <p:spTree>
-      <p:nvGrpSpPr>
-        <p:cNvPr id="1" name=""/>
-        <p:cNvGrpSpPr/>
-        <p:nvPr/>
-      </p:nvGrpSpPr>
-      <p:grpSpPr>
-        <a:xfrm>
-          <a:off x="0" y="0"/>
-          <a:ext cx="0" cy="0"/>
-          <a:chOff x="0" y="0"/>
-          <a:chExt cx="0" cy="0"/>
-        </a:xfrm>
-      </p:grpSpPr>
-      <p:sp>
-        <p:nvSpPr>
-          <p:cNvPr id="2" name="Text Placeholder 1">
-            <a:extLst>
-              <a:ext uri="{FF2B5EF4-FFF2-40B4-BE49-F238E27FC236}">
-                <a16:creationId xmlns:a16="http://schemas.microsoft.com/office/drawing/2014/main" id="{C30B016A-7556-446C-9027-ABABC86835C0}"/>
-              </a:ext>
-            </a:extLst>
-          </p:cNvPr>
-          <p:cNvSpPr>
-            <a:spLocks noGrp="1"/>
-          </p:cNvSpPr>
-          <p:nvPr>
-            <p:ph type="body" sz="quarter" idx="10"/>
-          </p:nvPr>
-        </p:nvSpPr>
-        <p:spPr>
-          <a:xfrm>
-            <a:off x="726281" y="3029544"/>
-            <a:ext cx="9239249" cy="3098302"/>
-          </a:xfrm>
-        </p:spPr>
-        <p:txBody>
-          <a:bodyPr/>
-          <a:lstStyle/>
-          <a:p>
-            <a:r>
-              <a:rPr lang="en-GB" sz="16600" dirty="0"/>
-              <a:t>QUIET ZONE</a:t>
-            </a:r>
-            <a:endParaRPr lang="en-GB" sz="7200" dirty="0"/>
-          </a:p>
-        </p:txBody>
-      </p:sp>
-    </p:spTree>
-    <p:extLst>
-      <p:ext uri="{BB962C8B-B14F-4D97-AF65-F5344CB8AC3E}">
-        <p14:creationId xmlns:p14="http://schemas.microsoft.com/office/powerpoint/2010/main" val="18492442"/>
-      </p:ext>
-    </p:extLst>
-  </p:cSld>
-  <p:clrMapOvr>
-    <a:masterClrMapping/>
-  </p:clrMapOvr>
-</p:sld>
-</file>
-
-<file path=ppt/slides/slide8.xml><?xml version="1.0" encoding="utf-8"?>
-<p:sld xmlns:a="http://schemas.openxmlformats.org/drawingml/2006/main" xmlns:r="http://schemas.openxmlformats.org/officeDocument/2006/relationships" xmlns:p="http://schemas.openxmlformats.org/presentationml/2006/main">
-  <p:cSld>
-    <p:spTree>
-      <p:nvGrpSpPr>
-        <p:cNvPr id="1" name=""/>
-        <p:cNvGrpSpPr/>
-        <p:nvPr/>
-      </p:nvGrpSpPr>
-      <p:grpSpPr>
-        <a:xfrm>
-          <a:off x="0" y="0"/>
-          <a:ext cx="0" cy="0"/>
-          <a:chOff x="0" y="0"/>
-          <a:chExt cx="0" cy="0"/>
-        </a:xfrm>
-      </p:grpSpPr>
-      <p:sp>
-        <p:nvSpPr>
-          <p:cNvPr id="2" name="Text Placeholder 1">
-            <a:extLst>
-              <a:ext uri="{FF2B5EF4-FFF2-40B4-BE49-F238E27FC236}">
-                <a16:creationId xmlns:a16="http://schemas.microsoft.com/office/drawing/2014/main" id="{C30B016A-7556-446C-9027-ABABC86835C0}"/>
-              </a:ext>
-            </a:extLst>
-          </p:cNvPr>
-          <p:cNvSpPr>
-            <a:spLocks noGrp="1"/>
-          </p:cNvSpPr>
-          <p:nvPr>
-            <p:ph type="body" sz="quarter" idx="10"/>
-          </p:nvPr>
-        </p:nvSpPr>
-        <p:spPr>
-          <a:xfrm>
-            <a:off x="726281" y="2647405"/>
-            <a:ext cx="9239249" cy="3794337"/>
-          </a:xfrm>
-        </p:spPr>
-        <p:txBody>
-          <a:bodyPr/>
-          <a:lstStyle/>
-          <a:p>
-            <a:r>
-              <a:rPr lang="en-GB" sz="11500" dirty="0"/>
-              <a:t>POWER TOOLS</a:t>
-            </a:r>
-          </a:p>
-          <a:p>
-            <a:r>
-              <a:rPr lang="en-GB" sz="11500" dirty="0"/>
-              <a:t>AREA</a:t>
-            </a:r>
-            <a:endParaRPr lang="en-GB" sz="6000" dirty="0"/>
-          </a:p>
-        </p:txBody>
-      </p:sp>
-    </p:spTree>
-    <p:extLst>
-      <p:ext uri="{BB962C8B-B14F-4D97-AF65-F5344CB8AC3E}">
-        <p14:creationId xmlns:p14="http://schemas.microsoft.com/office/powerpoint/2010/main" val="3020136911"/>
-      </p:ext>
-    </p:extLst>
-  </p:cSld>
-  <p:clrMapOvr>
-    <a:masterClrMapping/>
-  </p:clrMapOvr>
-</p:sld>
-</file>
-
-<file path=ppt/slides/slide9.xml><?xml version="1.0" encoding="utf-8"?>
+<file path=ppt/slides/slide10.xml><?xml version="1.0" encoding="utf-8"?>
 <p:sld xmlns:a="http://schemas.openxmlformats.org/drawingml/2006/main" xmlns:r="http://schemas.openxmlformats.org/officeDocument/2006/relationships" xmlns:p="http://schemas.openxmlformats.org/presentationml/2006/main">
   <p:cSld>
     <p:spTree>
@@ -1847,6 +1358,562 @@
     <p:extLst>
       <p:ext uri="{BB962C8B-B14F-4D97-AF65-F5344CB8AC3E}">
         <p14:creationId xmlns:p14="http://schemas.microsoft.com/office/powerpoint/2010/main" val="411968747"/>
+      </p:ext>
+    </p:extLst>
+  </p:cSld>
+  <p:clrMapOvr>
+    <a:masterClrMapping/>
+  </p:clrMapOvr>
+</p:sld>
+</file>
+
+<file path=ppt/slides/slide2.xml><?xml version="1.0" encoding="utf-8"?>
+<p:sld xmlns:a="http://schemas.openxmlformats.org/drawingml/2006/main" xmlns:r="http://schemas.openxmlformats.org/officeDocument/2006/relationships" xmlns:p="http://schemas.openxmlformats.org/presentationml/2006/main">
+  <p:cSld>
+    <p:spTree>
+      <p:nvGrpSpPr>
+        <p:cNvPr id="1" name=""/>
+        <p:cNvGrpSpPr/>
+        <p:nvPr/>
+      </p:nvGrpSpPr>
+      <p:grpSpPr>
+        <a:xfrm>
+          <a:off x="0" y="0"/>
+          <a:ext cx="0" cy="0"/>
+          <a:chOff x="0" y="0"/>
+          <a:chExt cx="0" cy="0"/>
+        </a:xfrm>
+      </p:grpSpPr>
+      <p:sp>
+        <p:nvSpPr>
+          <p:cNvPr id="3" name="Text Placeholder 2">
+            <a:extLst>
+              <a:ext uri="{FF2B5EF4-FFF2-40B4-BE49-F238E27FC236}">
+                <a16:creationId xmlns:a16="http://schemas.microsoft.com/office/drawing/2014/main" id="{AE5C0D51-0BCE-42E9-B506-E2501DF53E8F}"/>
+              </a:ext>
+            </a:extLst>
+          </p:cNvPr>
+          <p:cNvSpPr>
+            <a:spLocks noGrp="1"/>
+          </p:cNvSpPr>
+          <p:nvPr>
+            <p:ph type="body" sz="quarter" idx="11"/>
+          </p:nvPr>
+        </p:nvSpPr>
+        <p:spPr>
+          <a:xfrm>
+            <a:off x="1099077" y="2758001"/>
+            <a:ext cx="8493660" cy="2043674"/>
+          </a:xfrm>
+        </p:spPr>
+        <p:txBody>
+          <a:bodyPr>
+            <a:normAutofit lnSpcReduction="10000"/>
+          </a:bodyPr>
+          <a:lstStyle/>
+          <a:p>
+            <a:r>
+              <a:rPr lang="en-GB" sz="14501" dirty="0"/>
+              <a:t>ARENA</a:t>
+            </a:r>
+          </a:p>
+        </p:txBody>
+      </p:sp>
+    </p:spTree>
+    <p:extLst>
+      <p:ext uri="{BB962C8B-B14F-4D97-AF65-F5344CB8AC3E}">
+        <p14:creationId xmlns:p14="http://schemas.microsoft.com/office/powerpoint/2010/main" val="3531657988"/>
+      </p:ext>
+    </p:extLst>
+  </p:cSld>
+  <p:clrMapOvr>
+    <a:masterClrMapping/>
+  </p:clrMapOvr>
+</p:sld>
+</file>
+
+<file path=ppt/slides/slide3.xml><?xml version="1.0" encoding="utf-8"?>
+<p:sld xmlns:a="http://schemas.openxmlformats.org/drawingml/2006/main" xmlns:r="http://schemas.openxmlformats.org/officeDocument/2006/relationships" xmlns:p="http://schemas.openxmlformats.org/presentationml/2006/main">
+  <p:cSld>
+    <p:spTree>
+      <p:nvGrpSpPr>
+        <p:cNvPr id="1" name=""/>
+        <p:cNvGrpSpPr/>
+        <p:nvPr/>
+      </p:nvGrpSpPr>
+      <p:grpSpPr>
+        <a:xfrm>
+          <a:off x="0" y="0"/>
+          <a:ext cx="0" cy="0"/>
+          <a:chOff x="0" y="0"/>
+          <a:chExt cx="0" cy="0"/>
+        </a:xfrm>
+      </p:grpSpPr>
+      <p:sp>
+        <p:nvSpPr>
+          <p:cNvPr id="3" name="Text Placeholder 2">
+            <a:extLst>
+              <a:ext uri="{FF2B5EF4-FFF2-40B4-BE49-F238E27FC236}">
+                <a16:creationId xmlns:a16="http://schemas.microsoft.com/office/drawing/2014/main" id="{AE5C0D51-0BCE-42E9-B506-E2501DF53E8F}"/>
+              </a:ext>
+            </a:extLst>
+          </p:cNvPr>
+          <p:cNvSpPr>
+            <a:spLocks noGrp="1"/>
+          </p:cNvSpPr>
+          <p:nvPr>
+            <p:ph type="body" sz="quarter" idx="11"/>
+          </p:nvPr>
+        </p:nvSpPr>
+        <p:spPr>
+          <a:xfrm>
+            <a:off x="1099077" y="2758001"/>
+            <a:ext cx="8493660" cy="2043674"/>
+          </a:xfrm>
+        </p:spPr>
+        <p:txBody>
+          <a:bodyPr>
+            <a:normAutofit lnSpcReduction="10000"/>
+          </a:bodyPr>
+          <a:lstStyle/>
+          <a:p>
+            <a:r>
+              <a:rPr lang="en-GB" sz="14501" dirty="0"/>
+              <a:t>HELPDESK</a:t>
+            </a:r>
+          </a:p>
+        </p:txBody>
+      </p:sp>
+    </p:spTree>
+    <p:extLst>
+      <p:ext uri="{BB962C8B-B14F-4D97-AF65-F5344CB8AC3E}">
+        <p14:creationId xmlns:p14="http://schemas.microsoft.com/office/powerpoint/2010/main" val="2217668991"/>
+      </p:ext>
+    </p:extLst>
+  </p:cSld>
+  <p:clrMapOvr>
+    <a:masterClrMapping/>
+  </p:clrMapOvr>
+</p:sld>
+</file>
+
+<file path=ppt/slides/slide4.xml><?xml version="1.0" encoding="utf-8"?>
+<p:sld xmlns:a="http://schemas.openxmlformats.org/drawingml/2006/main" xmlns:r="http://schemas.openxmlformats.org/officeDocument/2006/relationships" xmlns:p="http://schemas.openxmlformats.org/presentationml/2006/main">
+  <p:cSld>
+    <p:spTree>
+      <p:nvGrpSpPr>
+        <p:cNvPr id="1" name=""/>
+        <p:cNvGrpSpPr/>
+        <p:nvPr/>
+      </p:nvGrpSpPr>
+      <p:grpSpPr>
+        <a:xfrm>
+          <a:off x="0" y="0"/>
+          <a:ext cx="0" cy="0"/>
+          <a:chOff x="0" y="0"/>
+          <a:chExt cx="0" cy="0"/>
+        </a:xfrm>
+      </p:grpSpPr>
+      <p:pic>
+        <p:nvPicPr>
+          <p:cNvPr id="5" name="Picture Placeholder 4" descr="A picture containing drawing, clock&#10;&#10;Description automatically generated">
+            <a:extLst>
+              <a:ext uri="{FF2B5EF4-FFF2-40B4-BE49-F238E27FC236}">
+                <a16:creationId xmlns:a16="http://schemas.microsoft.com/office/drawing/2014/main" id="{6EE661D4-7341-4250-A68A-0E85D36BB6AE}"/>
+              </a:ext>
+            </a:extLst>
+          </p:cNvPr>
+          <p:cNvPicPr preferRelativeResize="0">
+            <a:picLocks noGrp="1"/>
+          </p:cNvPicPr>
+          <p:nvPr>
+            <p:ph type="pic" sz="quarter" idx="10"/>
+          </p:nvPr>
+        </p:nvPicPr>
+        <p:blipFill>
+          <a:blip r:embed="rId2">
+            <a:extLst>
+              <a:ext uri="{28A0092B-C50C-407E-A947-70E740481C1C}">
+                <a14:useLocalDpi xmlns:a14="http://schemas.microsoft.com/office/drawing/2010/main" val="0"/>
+              </a:ext>
+            </a:extLst>
+          </a:blip>
+          <a:stretch>
+            <a:fillRect/>
+          </a:stretch>
+        </p:blipFill>
+        <p:spPr>
+          <a:xfrm>
+            <a:off x="3977113" y="2264344"/>
+            <a:ext cx="2737586" cy="2621554"/>
+          </a:xfrm>
+        </p:spPr>
+      </p:pic>
+      <p:sp>
+        <p:nvSpPr>
+          <p:cNvPr id="3" name="Text Placeholder 2">
+            <a:extLst>
+              <a:ext uri="{FF2B5EF4-FFF2-40B4-BE49-F238E27FC236}">
+                <a16:creationId xmlns:a16="http://schemas.microsoft.com/office/drawing/2014/main" id="{75D26587-D4E9-496F-A15F-FF56919961EC}"/>
+              </a:ext>
+            </a:extLst>
+          </p:cNvPr>
+          <p:cNvSpPr>
+            <a:spLocks noGrp="1"/>
+          </p:cNvSpPr>
+          <p:nvPr>
+            <p:ph type="body" sz="quarter" idx="11"/>
+          </p:nvPr>
+        </p:nvSpPr>
+        <p:spPr>
+          <a:xfrm>
+            <a:off x="2093726" y="5188851"/>
+            <a:ext cx="6504364" cy="2030816"/>
+          </a:xfrm>
+        </p:spPr>
+        <p:txBody>
+          <a:bodyPr>
+            <a:normAutofit/>
+          </a:bodyPr>
+          <a:lstStyle/>
+          <a:p>
+            <a:r>
+              <a:rPr lang="en-GB" sz="6600" dirty="0"/>
+              <a:t>PHOTOGRAPHY BEYOND THIS POINT</a:t>
+            </a:r>
+          </a:p>
+        </p:txBody>
+      </p:sp>
+    </p:spTree>
+    <p:extLst>
+      <p:ext uri="{BB962C8B-B14F-4D97-AF65-F5344CB8AC3E}">
+        <p14:creationId xmlns:p14="http://schemas.microsoft.com/office/powerpoint/2010/main" val="3549714815"/>
+      </p:ext>
+    </p:extLst>
+  </p:cSld>
+  <p:clrMapOvr>
+    <a:masterClrMapping/>
+  </p:clrMapOvr>
+</p:sld>
+</file>
+
+<file path=ppt/slides/slide5.xml><?xml version="1.0" encoding="utf-8"?>
+<p:sld xmlns:a="http://schemas.openxmlformats.org/drawingml/2006/main" xmlns:r="http://schemas.openxmlformats.org/officeDocument/2006/relationships" xmlns:p="http://schemas.openxmlformats.org/presentationml/2006/main">
+  <p:cSld>
+    <p:spTree>
+      <p:nvGrpSpPr>
+        <p:cNvPr id="1" name=""/>
+        <p:cNvGrpSpPr/>
+        <p:nvPr/>
+      </p:nvGrpSpPr>
+      <p:grpSpPr>
+        <a:xfrm>
+          <a:off x="0" y="0"/>
+          <a:ext cx="0" cy="0"/>
+          <a:chOff x="0" y="0"/>
+          <a:chExt cx="0" cy="0"/>
+        </a:xfrm>
+      </p:grpSpPr>
+      <p:sp>
+        <p:nvSpPr>
+          <p:cNvPr id="2" name="Text Placeholder 1">
+            <a:extLst>
+              <a:ext uri="{FF2B5EF4-FFF2-40B4-BE49-F238E27FC236}">
+                <a16:creationId xmlns:a16="http://schemas.microsoft.com/office/drawing/2014/main" id="{C30B016A-7556-446C-9027-ABABC86835C0}"/>
+              </a:ext>
+            </a:extLst>
+          </p:cNvPr>
+          <p:cNvSpPr>
+            <a:spLocks noGrp="1"/>
+          </p:cNvSpPr>
+          <p:nvPr>
+            <p:ph type="body" sz="quarter" idx="10"/>
+          </p:nvPr>
+        </p:nvSpPr>
+        <p:spPr>
+          <a:xfrm>
+            <a:off x="726281" y="2701997"/>
+            <a:ext cx="9239249" cy="3098302"/>
+          </a:xfrm>
+        </p:spPr>
+        <p:txBody>
+          <a:bodyPr/>
+          <a:lstStyle/>
+          <a:p>
+            <a:r>
+              <a:rPr lang="en-GB" sz="23900" dirty="0"/>
+              <a:t>EXIT</a:t>
+            </a:r>
+            <a:endParaRPr lang="en-GB" dirty="0"/>
+          </a:p>
+        </p:txBody>
+      </p:sp>
+    </p:spTree>
+    <p:extLst>
+      <p:ext uri="{BB962C8B-B14F-4D97-AF65-F5344CB8AC3E}">
+        <p14:creationId xmlns:p14="http://schemas.microsoft.com/office/powerpoint/2010/main" val="3071498411"/>
+      </p:ext>
+    </p:extLst>
+  </p:cSld>
+  <p:clrMapOvr>
+    <a:masterClrMapping/>
+  </p:clrMapOvr>
+</p:sld>
+</file>
+
+<file path=ppt/slides/slide6.xml><?xml version="1.0" encoding="utf-8"?>
+<p:sld xmlns:a="http://schemas.openxmlformats.org/drawingml/2006/main" xmlns:r="http://schemas.openxmlformats.org/officeDocument/2006/relationships" xmlns:p="http://schemas.openxmlformats.org/presentationml/2006/main">
+  <p:cSld>
+    <p:spTree>
+      <p:nvGrpSpPr>
+        <p:cNvPr id="1" name=""/>
+        <p:cNvGrpSpPr/>
+        <p:nvPr/>
+      </p:nvGrpSpPr>
+      <p:grpSpPr>
+        <a:xfrm>
+          <a:off x="0" y="0"/>
+          <a:ext cx="0" cy="0"/>
+          <a:chOff x="0" y="0"/>
+          <a:chExt cx="0" cy="0"/>
+        </a:xfrm>
+      </p:grpSpPr>
+      <p:sp>
+        <p:nvSpPr>
+          <p:cNvPr id="2" name="Text Placeholder 1">
+            <a:extLst>
+              <a:ext uri="{FF2B5EF4-FFF2-40B4-BE49-F238E27FC236}">
+                <a16:creationId xmlns:a16="http://schemas.microsoft.com/office/drawing/2014/main" id="{C30B016A-7556-446C-9027-ABABC86835C0}"/>
+              </a:ext>
+            </a:extLst>
+          </p:cNvPr>
+          <p:cNvSpPr>
+            <a:spLocks noGrp="1"/>
+          </p:cNvSpPr>
+          <p:nvPr>
+            <p:ph type="body" sz="quarter" idx="10"/>
+          </p:nvPr>
+        </p:nvSpPr>
+        <p:spPr>
+          <a:xfrm>
+            <a:off x="726281" y="3097782"/>
+            <a:ext cx="9239249" cy="3098302"/>
+          </a:xfrm>
+        </p:spPr>
+        <p:txBody>
+          <a:bodyPr/>
+          <a:lstStyle/>
+          <a:p>
+            <a:r>
+              <a:rPr lang="en-GB" sz="13800" dirty="0"/>
+              <a:t>STAGING IN</a:t>
+            </a:r>
+            <a:endParaRPr lang="en-GB" sz="6600" dirty="0"/>
+          </a:p>
+        </p:txBody>
+      </p:sp>
+    </p:spTree>
+    <p:extLst>
+      <p:ext uri="{BB962C8B-B14F-4D97-AF65-F5344CB8AC3E}">
+        <p14:creationId xmlns:p14="http://schemas.microsoft.com/office/powerpoint/2010/main" val="1098096009"/>
+      </p:ext>
+    </p:extLst>
+  </p:cSld>
+  <p:clrMapOvr>
+    <a:masterClrMapping/>
+  </p:clrMapOvr>
+</p:sld>
+</file>
+
+<file path=ppt/slides/slide7.xml><?xml version="1.0" encoding="utf-8"?>
+<p:sld xmlns:a="http://schemas.openxmlformats.org/drawingml/2006/main" xmlns:r="http://schemas.openxmlformats.org/officeDocument/2006/relationships" xmlns:p="http://schemas.openxmlformats.org/presentationml/2006/main">
+  <p:cSld>
+    <p:spTree>
+      <p:nvGrpSpPr>
+        <p:cNvPr id="1" name=""/>
+        <p:cNvGrpSpPr/>
+        <p:nvPr/>
+      </p:nvGrpSpPr>
+      <p:grpSpPr>
+        <a:xfrm>
+          <a:off x="0" y="0"/>
+          <a:ext cx="0" cy="0"/>
+          <a:chOff x="0" y="0"/>
+          <a:chExt cx="0" cy="0"/>
+        </a:xfrm>
+      </p:grpSpPr>
+      <p:sp>
+        <p:nvSpPr>
+          <p:cNvPr id="2" name="Text Placeholder 1">
+            <a:extLst>
+              <a:ext uri="{FF2B5EF4-FFF2-40B4-BE49-F238E27FC236}">
+                <a16:creationId xmlns:a16="http://schemas.microsoft.com/office/drawing/2014/main" id="{C30B016A-7556-446C-9027-ABABC86835C0}"/>
+              </a:ext>
+            </a:extLst>
+          </p:cNvPr>
+          <p:cNvSpPr>
+            <a:spLocks noGrp="1"/>
+          </p:cNvSpPr>
+          <p:nvPr>
+            <p:ph type="body" sz="quarter" idx="10"/>
+          </p:nvPr>
+        </p:nvSpPr>
+        <p:spPr>
+          <a:xfrm>
+            <a:off x="726281" y="3138725"/>
+            <a:ext cx="9239249" cy="3098302"/>
+          </a:xfrm>
+        </p:spPr>
+        <p:txBody>
+          <a:bodyPr/>
+          <a:lstStyle/>
+          <a:p>
+            <a:r>
+              <a:rPr lang="en-GB" sz="13800" dirty="0"/>
+              <a:t>STAGING OUT</a:t>
+            </a:r>
+            <a:endParaRPr lang="en-GB" sz="6600" dirty="0"/>
+          </a:p>
+        </p:txBody>
+      </p:sp>
+    </p:spTree>
+    <p:extLst>
+      <p:ext uri="{BB962C8B-B14F-4D97-AF65-F5344CB8AC3E}">
+        <p14:creationId xmlns:p14="http://schemas.microsoft.com/office/powerpoint/2010/main" val="3202793763"/>
+      </p:ext>
+    </p:extLst>
+  </p:cSld>
+  <p:clrMapOvr>
+    <a:masterClrMapping/>
+  </p:clrMapOvr>
+</p:sld>
+</file>
+
+<file path=ppt/slides/slide8.xml><?xml version="1.0" encoding="utf-8"?>
+<p:sld xmlns:a="http://schemas.openxmlformats.org/drawingml/2006/main" xmlns:r="http://schemas.openxmlformats.org/officeDocument/2006/relationships" xmlns:p="http://schemas.openxmlformats.org/presentationml/2006/main">
+  <p:cSld>
+    <p:spTree>
+      <p:nvGrpSpPr>
+        <p:cNvPr id="1" name=""/>
+        <p:cNvGrpSpPr/>
+        <p:nvPr/>
+      </p:nvGrpSpPr>
+      <p:grpSpPr>
+        <a:xfrm>
+          <a:off x="0" y="0"/>
+          <a:ext cx="0" cy="0"/>
+          <a:chOff x="0" y="0"/>
+          <a:chExt cx="0" cy="0"/>
+        </a:xfrm>
+      </p:grpSpPr>
+      <p:sp>
+        <p:nvSpPr>
+          <p:cNvPr id="2" name="Text Placeholder 1">
+            <a:extLst>
+              <a:ext uri="{FF2B5EF4-FFF2-40B4-BE49-F238E27FC236}">
+                <a16:creationId xmlns:a16="http://schemas.microsoft.com/office/drawing/2014/main" id="{C30B016A-7556-446C-9027-ABABC86835C0}"/>
+              </a:ext>
+            </a:extLst>
+          </p:cNvPr>
+          <p:cNvSpPr>
+            <a:spLocks noGrp="1"/>
+          </p:cNvSpPr>
+          <p:nvPr>
+            <p:ph type="body" sz="quarter" idx="10"/>
+          </p:nvPr>
+        </p:nvSpPr>
+        <p:spPr>
+          <a:xfrm>
+            <a:off x="726281" y="3029544"/>
+            <a:ext cx="9239249" cy="3098302"/>
+          </a:xfrm>
+        </p:spPr>
+        <p:txBody>
+          <a:bodyPr/>
+          <a:lstStyle/>
+          <a:p>
+            <a:r>
+              <a:rPr lang="en-GB" sz="16600" dirty="0"/>
+              <a:t>QUIET ZONE</a:t>
+            </a:r>
+            <a:endParaRPr lang="en-GB" sz="7200" dirty="0"/>
+          </a:p>
+        </p:txBody>
+      </p:sp>
+    </p:spTree>
+    <p:extLst>
+      <p:ext uri="{BB962C8B-B14F-4D97-AF65-F5344CB8AC3E}">
+        <p14:creationId xmlns:p14="http://schemas.microsoft.com/office/powerpoint/2010/main" val="18492442"/>
+      </p:ext>
+    </p:extLst>
+  </p:cSld>
+  <p:clrMapOvr>
+    <a:masterClrMapping/>
+  </p:clrMapOvr>
+</p:sld>
+</file>
+
+<file path=ppt/slides/slide9.xml><?xml version="1.0" encoding="utf-8"?>
+<p:sld xmlns:a="http://schemas.openxmlformats.org/drawingml/2006/main" xmlns:r="http://schemas.openxmlformats.org/officeDocument/2006/relationships" xmlns:p="http://schemas.openxmlformats.org/presentationml/2006/main">
+  <p:cSld>
+    <p:spTree>
+      <p:nvGrpSpPr>
+        <p:cNvPr id="1" name=""/>
+        <p:cNvGrpSpPr/>
+        <p:nvPr/>
+      </p:nvGrpSpPr>
+      <p:grpSpPr>
+        <a:xfrm>
+          <a:off x="0" y="0"/>
+          <a:ext cx="0" cy="0"/>
+          <a:chOff x="0" y="0"/>
+          <a:chExt cx="0" cy="0"/>
+        </a:xfrm>
+      </p:grpSpPr>
+      <p:sp>
+        <p:nvSpPr>
+          <p:cNvPr id="2" name="Text Placeholder 1">
+            <a:extLst>
+              <a:ext uri="{FF2B5EF4-FFF2-40B4-BE49-F238E27FC236}">
+                <a16:creationId xmlns:a16="http://schemas.microsoft.com/office/drawing/2014/main" id="{C30B016A-7556-446C-9027-ABABC86835C0}"/>
+              </a:ext>
+            </a:extLst>
+          </p:cNvPr>
+          <p:cNvSpPr>
+            <a:spLocks noGrp="1"/>
+          </p:cNvSpPr>
+          <p:nvPr>
+            <p:ph type="body" sz="quarter" idx="10"/>
+          </p:nvPr>
+        </p:nvSpPr>
+        <p:spPr>
+          <a:xfrm>
+            <a:off x="726281" y="2647405"/>
+            <a:ext cx="9239249" cy="3794337"/>
+          </a:xfrm>
+        </p:spPr>
+        <p:txBody>
+          <a:bodyPr/>
+          <a:lstStyle/>
+          <a:p>
+            <a:r>
+              <a:rPr lang="en-GB" sz="11500" dirty="0"/>
+              <a:t>POWER TOOLS</a:t>
+            </a:r>
+          </a:p>
+          <a:p>
+            <a:r>
+              <a:rPr lang="en-GB" sz="11500" dirty="0"/>
+              <a:t>AREA</a:t>
+            </a:r>
+            <a:endParaRPr lang="en-GB" sz="6000" dirty="0"/>
+          </a:p>
+        </p:txBody>
+      </p:sp>
+    </p:spTree>
+    <p:extLst>
+      <p:ext uri="{BB962C8B-B14F-4D97-AF65-F5344CB8AC3E}">
+        <p14:creationId xmlns:p14="http://schemas.microsoft.com/office/powerpoint/2010/main" val="3020136911"/>
       </p:ext>
     </p:extLst>
   </p:cSld>

--- a/signs/signs.pptx
+++ b/signs/signs.pptx
@@ -5,19 +5,20 @@
     <p:sldMasterId id="2147483648" r:id="rId1"/>
   </p:sldMasterIdLst>
   <p:notesMasterIdLst>
-    <p:notesMasterId r:id="rId12"/>
+    <p:notesMasterId r:id="rId13"/>
   </p:notesMasterIdLst>
   <p:sldIdLst>
     <p:sldId id="258" r:id="rId2"/>
-    <p:sldId id="272" r:id="rId3"/>
-    <p:sldId id="273" r:id="rId4"/>
-    <p:sldId id="271" r:id="rId5"/>
-    <p:sldId id="262" r:id="rId6"/>
-    <p:sldId id="267" r:id="rId7"/>
-    <p:sldId id="270" r:id="rId8"/>
-    <p:sldId id="269" r:id="rId9"/>
-    <p:sldId id="266" r:id="rId10"/>
-    <p:sldId id="265" r:id="rId11"/>
+    <p:sldId id="274" r:id="rId3"/>
+    <p:sldId id="272" r:id="rId4"/>
+    <p:sldId id="273" r:id="rId5"/>
+    <p:sldId id="271" r:id="rId6"/>
+    <p:sldId id="262" r:id="rId7"/>
+    <p:sldId id="267" r:id="rId8"/>
+    <p:sldId id="270" r:id="rId9"/>
+    <p:sldId id="269" r:id="rId10"/>
+    <p:sldId id="266" r:id="rId11"/>
+    <p:sldId id="265" r:id="rId12"/>
   </p:sldIdLst>
   <p:sldSz cx="10691813" cy="7559675"/>
   <p:notesSz cx="6858000" cy="9144000"/>
@@ -1214,6 +1215,76 @@
             <a:spLocks noGrp="1"/>
           </p:cNvSpPr>
           <p:nvPr>
+            <p:ph type="body" sz="quarter" idx="10"/>
+          </p:nvPr>
+        </p:nvSpPr>
+        <p:spPr>
+          <a:xfrm>
+            <a:off x="726281" y="2647405"/>
+            <a:ext cx="9239249" cy="3794337"/>
+          </a:xfrm>
+        </p:spPr>
+        <p:txBody>
+          <a:bodyPr/>
+          <a:lstStyle/>
+          <a:p>
+            <a:r>
+              <a:rPr lang="en-GB" sz="11500" dirty="0"/>
+              <a:t>POWER TOOLS</a:t>
+            </a:r>
+          </a:p>
+          <a:p>
+            <a:r>
+              <a:rPr lang="en-GB" sz="11500" dirty="0"/>
+              <a:t>AREA</a:t>
+            </a:r>
+            <a:endParaRPr lang="en-GB" sz="6000" dirty="0"/>
+          </a:p>
+        </p:txBody>
+      </p:sp>
+    </p:spTree>
+    <p:extLst>
+      <p:ext uri="{BB962C8B-B14F-4D97-AF65-F5344CB8AC3E}">
+        <p14:creationId xmlns:p14="http://schemas.microsoft.com/office/powerpoint/2010/main" val="3020136911"/>
+      </p:ext>
+    </p:extLst>
+  </p:cSld>
+  <p:clrMapOvr>
+    <a:masterClrMapping/>
+  </p:clrMapOvr>
+</p:sld>
+</file>
+
+<file path=ppt/slides/slide11.xml><?xml version="1.0" encoding="utf-8"?>
+<p:sld xmlns:a="http://schemas.openxmlformats.org/drawingml/2006/main" xmlns:r="http://schemas.openxmlformats.org/officeDocument/2006/relationships" xmlns:p="http://schemas.openxmlformats.org/presentationml/2006/main">
+  <p:cSld>
+    <p:spTree>
+      <p:nvGrpSpPr>
+        <p:cNvPr id="1" name=""/>
+        <p:cNvGrpSpPr/>
+        <p:nvPr/>
+      </p:nvGrpSpPr>
+      <p:grpSpPr>
+        <a:xfrm>
+          <a:off x="0" y="0"/>
+          <a:ext cx="0" cy="0"/>
+          <a:chOff x="0" y="0"/>
+          <a:chExt cx="0" cy="0"/>
+        </a:xfrm>
+      </p:grpSpPr>
+      <p:sp>
+        <p:nvSpPr>
+          <p:cNvPr id="2" name="Text Placeholder 1">
+            <a:extLst>
+              <a:ext uri="{FF2B5EF4-FFF2-40B4-BE49-F238E27FC236}">
+                <a16:creationId xmlns:a16="http://schemas.microsoft.com/office/drawing/2014/main" id="{C30B016A-7556-446C-9027-ABABC86835C0}"/>
+              </a:ext>
+            </a:extLst>
+          </p:cNvPr>
+          <p:cNvSpPr>
+            <a:spLocks noGrp="1"/>
+          </p:cNvSpPr>
+          <p:nvPr>
             <p:ph type="body" sz="quarter" idx="11"/>
           </p:nvPr>
         </p:nvSpPr>
@@ -1386,10 +1457,10 @@
       </p:grpSpPr>
       <p:sp>
         <p:nvSpPr>
-          <p:cNvPr id="3" name="Text Placeholder 2">
+          <p:cNvPr id="2" name="Text Placeholder 1">
             <a:extLst>
               <a:ext uri="{FF2B5EF4-FFF2-40B4-BE49-F238E27FC236}">
-                <a16:creationId xmlns:a16="http://schemas.microsoft.com/office/drawing/2014/main" id="{AE5C0D51-0BCE-42E9-B506-E2501DF53E8F}"/>
+                <a16:creationId xmlns:a16="http://schemas.microsoft.com/office/drawing/2014/main" id="{65DC55DE-6A7B-4FB6-918C-367564A2E4C0}"/>
               </a:ext>
             </a:extLst>
           </p:cNvPr>
@@ -1397,24 +1468,22 @@
             <a:spLocks noGrp="1"/>
           </p:cNvSpPr>
           <p:nvPr>
-            <p:ph type="body" sz="quarter" idx="11"/>
+            <p:ph type="body" sz="quarter" idx="10"/>
           </p:nvPr>
         </p:nvSpPr>
         <p:spPr>
           <a:xfrm>
-            <a:off x="1099077" y="2758001"/>
-            <a:ext cx="8493660" cy="2043674"/>
+            <a:off x="1575108" y="2210677"/>
+            <a:ext cx="7541596" cy="4818062"/>
           </a:xfrm>
         </p:spPr>
         <p:txBody>
-          <a:bodyPr>
-            <a:normAutofit lnSpcReduction="10000"/>
-          </a:bodyPr>
+          <a:bodyPr anchor="ctr"/>
           <a:lstStyle/>
           <a:p>
             <a:r>
-              <a:rPr lang="en-GB" sz="14501" dirty="0"/>
-              <a:t>ARENA</a:t>
+              <a:rPr lang="en-GB" sz="11500" dirty="0"/>
+              <a:t>NO ROBOTS BEYOND THIS POINT</a:t>
             </a:r>
           </a:p>
         </p:txBody>
@@ -1422,7 +1491,7 @@
     </p:spTree>
     <p:extLst>
       <p:ext uri="{BB962C8B-B14F-4D97-AF65-F5344CB8AC3E}">
-        <p14:creationId xmlns:p14="http://schemas.microsoft.com/office/powerpoint/2010/main" val="3531657988"/>
+        <p14:creationId xmlns:p14="http://schemas.microsoft.com/office/powerpoint/2010/main" val="537202791"/>
       </p:ext>
     </p:extLst>
   </p:cSld>
@@ -1479,6 +1548,71 @@
           <a:p>
             <a:r>
               <a:rPr lang="en-GB" sz="14501" dirty="0"/>
+              <a:t>ARENA</a:t>
+            </a:r>
+          </a:p>
+        </p:txBody>
+      </p:sp>
+    </p:spTree>
+    <p:extLst>
+      <p:ext uri="{BB962C8B-B14F-4D97-AF65-F5344CB8AC3E}">
+        <p14:creationId xmlns:p14="http://schemas.microsoft.com/office/powerpoint/2010/main" val="3531657988"/>
+      </p:ext>
+    </p:extLst>
+  </p:cSld>
+  <p:clrMapOvr>
+    <a:masterClrMapping/>
+  </p:clrMapOvr>
+</p:sld>
+</file>
+
+<file path=ppt/slides/slide4.xml><?xml version="1.0" encoding="utf-8"?>
+<p:sld xmlns:a="http://schemas.openxmlformats.org/drawingml/2006/main" xmlns:r="http://schemas.openxmlformats.org/officeDocument/2006/relationships" xmlns:p="http://schemas.openxmlformats.org/presentationml/2006/main">
+  <p:cSld>
+    <p:spTree>
+      <p:nvGrpSpPr>
+        <p:cNvPr id="1" name=""/>
+        <p:cNvGrpSpPr/>
+        <p:nvPr/>
+      </p:nvGrpSpPr>
+      <p:grpSpPr>
+        <a:xfrm>
+          <a:off x="0" y="0"/>
+          <a:ext cx="0" cy="0"/>
+          <a:chOff x="0" y="0"/>
+          <a:chExt cx="0" cy="0"/>
+        </a:xfrm>
+      </p:grpSpPr>
+      <p:sp>
+        <p:nvSpPr>
+          <p:cNvPr id="3" name="Text Placeholder 2">
+            <a:extLst>
+              <a:ext uri="{FF2B5EF4-FFF2-40B4-BE49-F238E27FC236}">
+                <a16:creationId xmlns:a16="http://schemas.microsoft.com/office/drawing/2014/main" id="{AE5C0D51-0BCE-42E9-B506-E2501DF53E8F}"/>
+              </a:ext>
+            </a:extLst>
+          </p:cNvPr>
+          <p:cNvSpPr>
+            <a:spLocks noGrp="1"/>
+          </p:cNvSpPr>
+          <p:nvPr>
+            <p:ph type="body" sz="quarter" idx="11"/>
+          </p:nvPr>
+        </p:nvSpPr>
+        <p:spPr>
+          <a:xfrm>
+            <a:off x="1099077" y="2758001"/>
+            <a:ext cx="8493660" cy="2043674"/>
+          </a:xfrm>
+        </p:spPr>
+        <p:txBody>
+          <a:bodyPr>
+            <a:normAutofit lnSpcReduction="10000"/>
+          </a:bodyPr>
+          <a:lstStyle/>
+          <a:p>
+            <a:r>
+              <a:rPr lang="en-GB" sz="14501" dirty="0"/>
               <a:t>HELPDESK</a:t>
             </a:r>
           </a:p>
@@ -1497,7 +1631,7 @@
 </p:sld>
 </file>
 
-<file path=ppt/slides/slide4.xml><?xml version="1.0" encoding="utf-8"?>
+<file path=ppt/slides/slide5.xml><?xml version="1.0" encoding="utf-8"?>
 <p:sld xmlns:a="http://schemas.openxmlformats.org/drawingml/2006/main" xmlns:r="http://schemas.openxmlformats.org/officeDocument/2006/relationships" xmlns:p="http://schemas.openxmlformats.org/presentationml/2006/main">
   <p:cSld>
     <p:spTree>
@@ -1597,7 +1731,7 @@
 </p:sld>
 </file>
 
-<file path=ppt/slides/slide5.xml><?xml version="1.0" encoding="utf-8"?>
+<file path=ppt/slides/slide6.xml><?xml version="1.0" encoding="utf-8"?>
 <p:sld xmlns:a="http://schemas.openxmlformats.org/drawingml/2006/main" xmlns:r="http://schemas.openxmlformats.org/officeDocument/2006/relationships" xmlns:p="http://schemas.openxmlformats.org/presentationml/2006/main">
   <p:cSld>
     <p:spTree>
@@ -1652,70 +1786,6 @@
     <p:extLst>
       <p:ext uri="{BB962C8B-B14F-4D97-AF65-F5344CB8AC3E}">
         <p14:creationId xmlns:p14="http://schemas.microsoft.com/office/powerpoint/2010/main" val="3071498411"/>
-      </p:ext>
-    </p:extLst>
-  </p:cSld>
-  <p:clrMapOvr>
-    <a:masterClrMapping/>
-  </p:clrMapOvr>
-</p:sld>
-</file>
-
-<file path=ppt/slides/slide6.xml><?xml version="1.0" encoding="utf-8"?>
-<p:sld xmlns:a="http://schemas.openxmlformats.org/drawingml/2006/main" xmlns:r="http://schemas.openxmlformats.org/officeDocument/2006/relationships" xmlns:p="http://schemas.openxmlformats.org/presentationml/2006/main">
-  <p:cSld>
-    <p:spTree>
-      <p:nvGrpSpPr>
-        <p:cNvPr id="1" name=""/>
-        <p:cNvGrpSpPr/>
-        <p:nvPr/>
-      </p:nvGrpSpPr>
-      <p:grpSpPr>
-        <a:xfrm>
-          <a:off x="0" y="0"/>
-          <a:ext cx="0" cy="0"/>
-          <a:chOff x="0" y="0"/>
-          <a:chExt cx="0" cy="0"/>
-        </a:xfrm>
-      </p:grpSpPr>
-      <p:sp>
-        <p:nvSpPr>
-          <p:cNvPr id="2" name="Text Placeholder 1">
-            <a:extLst>
-              <a:ext uri="{FF2B5EF4-FFF2-40B4-BE49-F238E27FC236}">
-                <a16:creationId xmlns:a16="http://schemas.microsoft.com/office/drawing/2014/main" id="{C30B016A-7556-446C-9027-ABABC86835C0}"/>
-              </a:ext>
-            </a:extLst>
-          </p:cNvPr>
-          <p:cNvSpPr>
-            <a:spLocks noGrp="1"/>
-          </p:cNvSpPr>
-          <p:nvPr>
-            <p:ph type="body" sz="quarter" idx="10"/>
-          </p:nvPr>
-        </p:nvSpPr>
-        <p:spPr>
-          <a:xfrm>
-            <a:off x="726281" y="3097782"/>
-            <a:ext cx="9239249" cy="3098302"/>
-          </a:xfrm>
-        </p:spPr>
-        <p:txBody>
-          <a:bodyPr/>
-          <a:lstStyle/>
-          <a:p>
-            <a:r>
-              <a:rPr lang="en-GB" sz="13800" dirty="0"/>
-              <a:t>STAGING IN</a:t>
-            </a:r>
-            <a:endParaRPr lang="en-GB" sz="6600" dirty="0"/>
-          </a:p>
-        </p:txBody>
-      </p:sp>
-    </p:spTree>
-    <p:extLst>
-      <p:ext uri="{BB962C8B-B14F-4D97-AF65-F5344CB8AC3E}">
-        <p14:creationId xmlns:p14="http://schemas.microsoft.com/office/powerpoint/2010/main" val="1098096009"/>
       </p:ext>
     </p:extLst>
   </p:cSld>
@@ -1760,7 +1830,7 @@
         </p:nvSpPr>
         <p:spPr>
           <a:xfrm>
-            <a:off x="726281" y="3138725"/>
+            <a:off x="726281" y="3097782"/>
             <a:ext cx="9239249" cy="3098302"/>
           </a:xfrm>
         </p:spPr>
@@ -1770,7 +1840,7 @@
           <a:p>
             <a:r>
               <a:rPr lang="en-GB" sz="13800" dirty="0"/>
-              <a:t>STAGING OUT</a:t>
+              <a:t>STAGING IN</a:t>
             </a:r>
             <a:endParaRPr lang="en-GB" sz="6600" dirty="0"/>
           </a:p>
@@ -1779,7 +1849,7 @@
     </p:spTree>
     <p:extLst>
       <p:ext uri="{BB962C8B-B14F-4D97-AF65-F5344CB8AC3E}">
-        <p14:creationId xmlns:p14="http://schemas.microsoft.com/office/powerpoint/2010/main" val="3202793763"/>
+        <p14:creationId xmlns:p14="http://schemas.microsoft.com/office/powerpoint/2010/main" val="1098096009"/>
       </p:ext>
     </p:extLst>
   </p:cSld>
@@ -1824,7 +1894,7 @@
         </p:nvSpPr>
         <p:spPr>
           <a:xfrm>
-            <a:off x="726281" y="3029544"/>
+            <a:off x="726281" y="3138725"/>
             <a:ext cx="9239249" cy="3098302"/>
           </a:xfrm>
         </p:spPr>
@@ -1833,17 +1903,17 @@
           <a:lstStyle/>
           <a:p>
             <a:r>
-              <a:rPr lang="en-GB" sz="16600" dirty="0"/>
-              <a:t>QUIET ZONE</a:t>
+              <a:rPr lang="en-GB" sz="13800" dirty="0"/>
+              <a:t>STAGING OUT</a:t>
             </a:r>
-            <a:endParaRPr lang="en-GB" sz="7200" dirty="0"/>
+            <a:endParaRPr lang="en-GB" sz="6600" dirty="0"/>
           </a:p>
         </p:txBody>
       </p:sp>
     </p:spTree>
     <p:extLst>
       <p:ext uri="{BB962C8B-B14F-4D97-AF65-F5344CB8AC3E}">
-        <p14:creationId xmlns:p14="http://schemas.microsoft.com/office/powerpoint/2010/main" val="18492442"/>
+        <p14:creationId xmlns:p14="http://schemas.microsoft.com/office/powerpoint/2010/main" val="3202793763"/>
       </p:ext>
     </p:extLst>
   </p:cSld>
@@ -1888,8 +1958,8 @@
         </p:nvSpPr>
         <p:spPr>
           <a:xfrm>
-            <a:off x="726281" y="2647405"/>
-            <a:ext cx="9239249" cy="3794337"/>
+            <a:off x="726281" y="3029544"/>
+            <a:ext cx="9239249" cy="3098302"/>
           </a:xfrm>
         </p:spPr>
         <p:txBody>
@@ -1897,23 +1967,17 @@
           <a:lstStyle/>
           <a:p>
             <a:r>
-              <a:rPr lang="en-GB" sz="11500" dirty="0"/>
-              <a:t>POWER TOOLS</a:t>
+              <a:rPr lang="en-GB" sz="16600" dirty="0"/>
+              <a:t>QUIET ZONE</a:t>
             </a:r>
-          </a:p>
-          <a:p>
-            <a:r>
-              <a:rPr lang="en-GB" sz="11500" dirty="0"/>
-              <a:t>AREA</a:t>
-            </a:r>
-            <a:endParaRPr lang="en-GB" sz="6000" dirty="0"/>
+            <a:endParaRPr lang="en-GB" sz="7200" dirty="0"/>
           </a:p>
         </p:txBody>
       </p:sp>
     </p:spTree>
     <p:extLst>
       <p:ext uri="{BB962C8B-B14F-4D97-AF65-F5344CB8AC3E}">
-        <p14:creationId xmlns:p14="http://schemas.microsoft.com/office/powerpoint/2010/main" val="3020136911"/>
+        <p14:creationId xmlns:p14="http://schemas.microsoft.com/office/powerpoint/2010/main" val="18492442"/>
       </p:ext>
     </p:extLst>
   </p:cSld>

--- a/signs/signs.pptx
+++ b/signs/signs.pptx
@@ -1,6 +1,6 @@
 
 <file path=ppt/presentation.xml><?xml version="1.0" encoding="utf-8"?>
-<p:presentation xmlns:a="http://schemas.openxmlformats.org/drawingml/2006/main" xmlns:r="http://schemas.openxmlformats.org/officeDocument/2006/relationships" xmlns:p="http://schemas.openxmlformats.org/presentationml/2006/main" saveSubsetFonts="1">
+<p:presentation xmlns:a="http://purl.oclc.org/ooxml/drawingml/main" xmlns:r="http://purl.oclc.org/ooxml/officeDocument/relationships" xmlns:p="http://purl.oclc.org/ooxml/presentationml/main" saveSubsetFonts="1" conformance="strict">
   <p:sldMasterIdLst>
     <p:sldMasterId id="2147483648" r:id="rId1"/>
   </p:sldMasterIdLst>
@@ -126,7 +126,7 @@
 </file>
 
 <file path=ppt/notesMasters/notesMaster1.xml><?xml version="1.0" encoding="utf-8"?>
-<p:notesMaster xmlns:a="http://schemas.openxmlformats.org/drawingml/2006/main" xmlns:r="http://schemas.openxmlformats.org/officeDocument/2006/relationships" xmlns:p="http://schemas.openxmlformats.org/presentationml/2006/main">
+<p:notesMaster xmlns:a="http://purl.oclc.org/ooxml/drawingml/main" xmlns:r="http://purl.oclc.org/ooxml/officeDocument/relationships" xmlns:p="http://purl.oclc.org/ooxml/presentationml/main">
   <p:cSld>
     <p:bg>
       <p:bgRef idx="1001">
@@ -207,7 +207,7 @@
           <a:p>
             <a:fld id="{A57A842A-60A0-4DE6-A4A8-4C758AEEDBC7}" type="datetimeFigureOut">
               <a:rPr lang="en-GB" smtClean="0"/>
-              <a:t>09/02/2020</a:t>
+              <a:t>10/02/2020</a:t>
             </a:fld>
             <a:endParaRPr lang="en-GB"/>
           </a:p>
@@ -476,7 +476,7 @@
 </file>
 
 <file path=ppt/slideLayouts/slideLayout1.xml><?xml version="1.0" encoding="utf-8"?>
-<p:sldLayout xmlns:a="http://schemas.openxmlformats.org/drawingml/2006/main" xmlns:r="http://schemas.openxmlformats.org/officeDocument/2006/relationships" xmlns:p="http://schemas.openxmlformats.org/presentationml/2006/main" preserve="1" userDrawn="1">
+<p:sldLayout xmlns:a="http://purl.oclc.org/ooxml/drawingml/main" xmlns:r="http://purl.oclc.org/ooxml/officeDocument/relationships" xmlns:p="http://purl.oclc.org/ooxml/presentationml/main" preserve="1" userDrawn="1">
   <p:cSld name="Sign with image">
     <p:spTree>
       <p:nvGrpSpPr>
@@ -587,7 +587,7 @@
 </file>
 
 <file path=ppt/slideLayouts/slideLayout2.xml><?xml version="1.0" encoding="utf-8"?>
-<p:sldLayout xmlns:a="http://schemas.openxmlformats.org/drawingml/2006/main" xmlns:r="http://schemas.openxmlformats.org/officeDocument/2006/relationships" xmlns:p="http://schemas.openxmlformats.org/presentationml/2006/main" preserve="1" userDrawn="1">
+<p:sldLayout xmlns:a="http://purl.oclc.org/ooxml/drawingml/main" xmlns:r="http://purl.oclc.org/ooxml/officeDocument/relationships" xmlns:p="http://purl.oclc.org/ooxml/presentationml/main" preserve="1" userDrawn="1">
   <p:cSld name="1_Sign with image">
     <p:spTree>
       <p:nvGrpSpPr>
@@ -697,7 +697,7 @@
 </file>
 
 <file path=ppt/slideLayouts/slideLayout3.xml><?xml version="1.0" encoding="utf-8"?>
-<p:sldLayout xmlns:a="http://schemas.openxmlformats.org/drawingml/2006/main" xmlns:r="http://schemas.openxmlformats.org/officeDocument/2006/relationships" xmlns:p="http://schemas.openxmlformats.org/presentationml/2006/main" preserve="1" userDrawn="1">
+<p:sldLayout xmlns:a="http://purl.oclc.org/ooxml/drawingml/main" xmlns:r="http://purl.oclc.org/ooxml/officeDocument/relationships" xmlns:p="http://purl.oclc.org/ooxml/presentationml/main" preserve="1" userDrawn="1">
   <p:cSld name="Text only">
     <p:spTree>
       <p:nvGrpSpPr>
@@ -764,7 +764,7 @@
 </file>
 
 <file path=ppt/slideMasters/slideMaster1.xml><?xml version="1.0" encoding="utf-8"?>
-<p:sldMaster xmlns:a="http://schemas.openxmlformats.org/drawingml/2006/main" xmlns:r="http://schemas.openxmlformats.org/officeDocument/2006/relationships" xmlns:p="http://schemas.openxmlformats.org/presentationml/2006/main">
+<p:sldMaster xmlns:a="http://purl.oclc.org/ooxml/drawingml/main" xmlns:r="http://purl.oclc.org/ooxml/officeDocument/relationships" xmlns:p="http://purl.oclc.org/ooxml/presentationml/main">
   <p:cSld>
     <p:bg>
       <p:bgRef idx="1001">
@@ -841,10 +841,10 @@
     <p:titleStyle>
       <a:lvl1pPr algn="l" defTabSz="801970" rtl="0" eaLnBrk="1" latinLnBrk="0" hangingPunct="1">
         <a:lnSpc>
-          <a:spcPct val="90000"/>
+          <a:spcPct val="90%"/>
         </a:lnSpc>
         <a:spcBef>
-          <a:spcPct val="0"/>
+          <a:spcPct val="0%"/>
         </a:spcBef>
         <a:buNone/>
         <a:defRPr sz="3860" kern="1200">
@@ -860,7 +860,7 @@
     <p:bodyStyle>
       <a:lvl1pPr marL="0" indent="0" algn="ctr" defTabSz="801970" rtl="0" eaLnBrk="1" latinLnBrk="0" hangingPunct="1">
         <a:lnSpc>
-          <a:spcPct val="90000"/>
+          <a:spcPct val="90%"/>
         </a:lnSpc>
         <a:spcBef>
           <a:spcPts val="877"/>
@@ -878,7 +878,7 @@
       </a:lvl1pPr>
       <a:lvl2pPr marL="601478" indent="-200493" algn="l" defTabSz="801970" rtl="0" eaLnBrk="1" latinLnBrk="0" hangingPunct="1">
         <a:lnSpc>
-          <a:spcPct val="90000"/>
+          <a:spcPct val="90%"/>
         </a:lnSpc>
         <a:spcBef>
           <a:spcPts val="438"/>
@@ -896,7 +896,7 @@
       </a:lvl2pPr>
       <a:lvl3pPr marL="1002463" indent="-200493" algn="l" defTabSz="801970" rtl="0" eaLnBrk="1" latinLnBrk="0" hangingPunct="1">
         <a:lnSpc>
-          <a:spcPct val="90000"/>
+          <a:spcPct val="90%"/>
         </a:lnSpc>
         <a:spcBef>
           <a:spcPts val="438"/>
@@ -914,7 +914,7 @@
       </a:lvl3pPr>
       <a:lvl4pPr marL="1403447" indent="-200493" algn="l" defTabSz="801970" rtl="0" eaLnBrk="1" latinLnBrk="0" hangingPunct="1">
         <a:lnSpc>
-          <a:spcPct val="90000"/>
+          <a:spcPct val="90%"/>
         </a:lnSpc>
         <a:spcBef>
           <a:spcPts val="438"/>
@@ -932,7 +932,7 @@
       </a:lvl4pPr>
       <a:lvl5pPr marL="1804433" indent="-200493" algn="l" defTabSz="801970" rtl="0" eaLnBrk="1" latinLnBrk="0" hangingPunct="1">
         <a:lnSpc>
-          <a:spcPct val="90000"/>
+          <a:spcPct val="90%"/>
         </a:lnSpc>
         <a:spcBef>
           <a:spcPts val="438"/>
@@ -950,7 +950,7 @@
       </a:lvl5pPr>
       <a:lvl6pPr marL="2205417" indent="-200493" algn="l" defTabSz="801970" rtl="0" eaLnBrk="1" latinLnBrk="0" hangingPunct="1">
         <a:lnSpc>
-          <a:spcPct val="90000"/>
+          <a:spcPct val="90%"/>
         </a:lnSpc>
         <a:spcBef>
           <a:spcPts val="438"/>
@@ -968,7 +968,7 @@
       </a:lvl6pPr>
       <a:lvl7pPr marL="2606404" indent="-200493" algn="l" defTabSz="801970" rtl="0" eaLnBrk="1" latinLnBrk="0" hangingPunct="1">
         <a:lnSpc>
-          <a:spcPct val="90000"/>
+          <a:spcPct val="90%"/>
         </a:lnSpc>
         <a:spcBef>
           <a:spcPts val="438"/>
@@ -986,7 +986,7 @@
       </a:lvl7pPr>
       <a:lvl8pPr marL="3007387" indent="-200493" algn="l" defTabSz="801970" rtl="0" eaLnBrk="1" latinLnBrk="0" hangingPunct="1">
         <a:lnSpc>
-          <a:spcPct val="90000"/>
+          <a:spcPct val="90%"/>
         </a:lnSpc>
         <a:spcBef>
           <a:spcPts val="438"/>
@@ -1004,7 +1004,7 @@
       </a:lvl8pPr>
       <a:lvl9pPr marL="3408372" indent="-200493" algn="l" defTabSz="801970" rtl="0" eaLnBrk="1" latinLnBrk="0" hangingPunct="1">
         <a:lnSpc>
-          <a:spcPct val="90000"/>
+          <a:spcPct val="90%"/>
         </a:lnSpc>
         <a:spcBef>
           <a:spcPts val="438"/>
@@ -1121,7 +1121,7 @@
 </file>
 
 <file path=ppt/slides/slide1.xml><?xml version="1.0" encoding="utf-8"?>
-<p:sld xmlns:a="http://schemas.openxmlformats.org/drawingml/2006/main" xmlns:r="http://schemas.openxmlformats.org/officeDocument/2006/relationships" xmlns:p="http://schemas.openxmlformats.org/presentationml/2006/main">
+<p:sld xmlns:a="http://purl.oclc.org/ooxml/drawingml/main" xmlns:r="http://purl.oclc.org/ooxml/officeDocument/relationships" xmlns:p="http://purl.oclc.org/ooxml/presentationml/main">
   <p:cSld>
     <p:spTree>
       <p:nvGrpSpPr>
@@ -1161,7 +1161,7 @@
         </p:spPr>
         <p:txBody>
           <a:bodyPr>
-            <a:normAutofit lnSpcReduction="10000"/>
+            <a:normAutofit lnSpcReduction="10%"/>
           </a:bodyPr>
           <a:lstStyle/>
           <a:p>
@@ -1186,7 +1186,7 @@
 </file>
 
 <file path=ppt/slides/slide10.xml><?xml version="1.0" encoding="utf-8"?>
-<p:sld xmlns:a="http://schemas.openxmlformats.org/drawingml/2006/main" xmlns:r="http://schemas.openxmlformats.org/officeDocument/2006/relationships" xmlns:p="http://schemas.openxmlformats.org/presentationml/2006/main">
+<p:sld xmlns:a="http://purl.oclc.org/ooxml/drawingml/main" xmlns:r="http://purl.oclc.org/ooxml/officeDocument/relationships" xmlns:p="http://purl.oclc.org/ooxml/presentationml/main">
   <p:cSld>
     <p:spTree>
       <p:nvGrpSpPr>
@@ -1256,7 +1256,7 @@
 </file>
 
 <file path=ppt/slides/slide11.xml><?xml version="1.0" encoding="utf-8"?>
-<p:sld xmlns:a="http://schemas.openxmlformats.org/drawingml/2006/main" xmlns:r="http://schemas.openxmlformats.org/officeDocument/2006/relationships" xmlns:p="http://schemas.openxmlformats.org/presentationml/2006/main">
+<p:sld xmlns:a="http://purl.oclc.org/ooxml/drawingml/main" xmlns:r="http://purl.oclc.org/ooxml/officeDocument/relationships" xmlns:p="http://purl.oclc.org/ooxml/presentationml/main">
   <p:cSld>
     <p:spTree>
       <p:nvGrpSpPr>
@@ -1296,7 +1296,7 @@
         </p:spPr>
         <p:txBody>
           <a:bodyPr>
-            <a:normAutofit fontScale="62500" lnSpcReduction="20000"/>
+            <a:normAutofit fontScale="62.5%" lnSpcReduction="20%"/>
           </a:bodyPr>
           <a:lstStyle/>
           <a:p>
@@ -1358,7 +1358,7 @@
           <p:style>
             <a:lnRef idx="2">
               <a:schemeClr val="accent1">
-                <a:shade val="50000"/>
+                <a:shade val="50%"/>
               </a:schemeClr>
             </a:lnRef>
             <a:fillRef idx="1">
@@ -1439,7 +1439,7 @@
 </file>
 
 <file path=ppt/slides/slide2.xml><?xml version="1.0" encoding="utf-8"?>
-<p:sld xmlns:a="http://schemas.openxmlformats.org/drawingml/2006/main" xmlns:r="http://schemas.openxmlformats.org/officeDocument/2006/relationships" xmlns:p="http://schemas.openxmlformats.org/presentationml/2006/main">
+<p:sld xmlns:a="http://purl.oclc.org/ooxml/drawingml/main" xmlns:r="http://purl.oclc.org/ooxml/officeDocument/relationships" xmlns:p="http://purl.oclc.org/ooxml/presentationml/main">
   <p:cSld>
     <p:spTree>
       <p:nvGrpSpPr>
@@ -1502,7 +1502,7 @@
 </file>
 
 <file path=ppt/slides/slide3.xml><?xml version="1.0" encoding="utf-8"?>
-<p:sld xmlns:a="http://schemas.openxmlformats.org/drawingml/2006/main" xmlns:r="http://schemas.openxmlformats.org/officeDocument/2006/relationships" xmlns:p="http://schemas.openxmlformats.org/presentationml/2006/main">
+<p:sld xmlns:a="http://purl.oclc.org/ooxml/drawingml/main" xmlns:r="http://purl.oclc.org/ooxml/officeDocument/relationships" xmlns:p="http://purl.oclc.org/ooxml/presentationml/main">
   <p:cSld>
     <p:spTree>
       <p:nvGrpSpPr>
@@ -1542,7 +1542,7 @@
         </p:spPr>
         <p:txBody>
           <a:bodyPr>
-            <a:normAutofit lnSpcReduction="10000"/>
+            <a:normAutofit lnSpcReduction="10%"/>
           </a:bodyPr>
           <a:lstStyle/>
           <a:p>
@@ -1567,7 +1567,7 @@
 </file>
 
 <file path=ppt/slides/slide4.xml><?xml version="1.0" encoding="utf-8"?>
-<p:sld xmlns:a="http://schemas.openxmlformats.org/drawingml/2006/main" xmlns:r="http://schemas.openxmlformats.org/officeDocument/2006/relationships" xmlns:p="http://schemas.openxmlformats.org/presentationml/2006/main">
+<p:sld xmlns:a="http://purl.oclc.org/ooxml/drawingml/main" xmlns:r="http://purl.oclc.org/ooxml/officeDocument/relationships" xmlns:p="http://purl.oclc.org/ooxml/presentationml/main">
   <p:cSld>
     <p:spTree>
       <p:nvGrpSpPr>
@@ -1607,7 +1607,7 @@
         </p:spPr>
         <p:txBody>
           <a:bodyPr>
-            <a:normAutofit lnSpcReduction="10000"/>
+            <a:normAutofit lnSpcReduction="10%"/>
           </a:bodyPr>
           <a:lstStyle/>
           <a:p>
@@ -1632,7 +1632,7 @@
 </file>
 
 <file path=ppt/slides/slide5.xml><?xml version="1.0" encoding="utf-8"?>
-<p:sld xmlns:a="http://schemas.openxmlformats.org/drawingml/2006/main" xmlns:r="http://schemas.openxmlformats.org/officeDocument/2006/relationships" xmlns:p="http://schemas.openxmlformats.org/presentationml/2006/main">
+<p:sld xmlns:a="http://purl.oclc.org/ooxml/drawingml/main" xmlns:r="http://purl.oclc.org/ooxml/officeDocument/relationships" xmlns:p="http://purl.oclc.org/ooxml/presentationml/main">
   <p:cSld>
     <p:spTree>
       <p:nvGrpSpPr>
@@ -1732,7 +1732,7 @@
 </file>
 
 <file path=ppt/slides/slide6.xml><?xml version="1.0" encoding="utf-8"?>
-<p:sld xmlns:a="http://schemas.openxmlformats.org/drawingml/2006/main" xmlns:r="http://schemas.openxmlformats.org/officeDocument/2006/relationships" xmlns:p="http://schemas.openxmlformats.org/presentationml/2006/main">
+<p:sld xmlns:a="http://purl.oclc.org/ooxml/drawingml/main" xmlns:r="http://purl.oclc.org/ooxml/officeDocument/relationships" xmlns:p="http://purl.oclc.org/ooxml/presentationml/main">
   <p:cSld>
     <p:spTree>
       <p:nvGrpSpPr>
@@ -1796,7 +1796,7 @@
 </file>
 
 <file path=ppt/slides/slide7.xml><?xml version="1.0" encoding="utf-8"?>
-<p:sld xmlns:a="http://schemas.openxmlformats.org/drawingml/2006/main" xmlns:r="http://schemas.openxmlformats.org/officeDocument/2006/relationships" xmlns:p="http://schemas.openxmlformats.org/presentationml/2006/main">
+<p:sld xmlns:a="http://purl.oclc.org/ooxml/drawingml/main" xmlns:r="http://purl.oclc.org/ooxml/officeDocument/relationships" xmlns:p="http://purl.oclc.org/ooxml/presentationml/main">
   <p:cSld>
     <p:spTree>
       <p:nvGrpSpPr>
@@ -1860,7 +1860,7 @@
 </file>
 
 <file path=ppt/slides/slide8.xml><?xml version="1.0" encoding="utf-8"?>
-<p:sld xmlns:a="http://schemas.openxmlformats.org/drawingml/2006/main" xmlns:r="http://schemas.openxmlformats.org/officeDocument/2006/relationships" xmlns:p="http://schemas.openxmlformats.org/presentationml/2006/main">
+<p:sld xmlns:a="http://purl.oclc.org/ooxml/drawingml/main" xmlns:r="http://purl.oclc.org/ooxml/officeDocument/relationships" xmlns:p="http://purl.oclc.org/ooxml/presentationml/main">
   <p:cSld>
     <p:spTree>
       <p:nvGrpSpPr>
@@ -1924,7 +1924,7 @@
 </file>
 
 <file path=ppt/slides/slide9.xml><?xml version="1.0" encoding="utf-8"?>
-<p:sld xmlns:a="http://schemas.openxmlformats.org/drawingml/2006/main" xmlns:r="http://schemas.openxmlformats.org/officeDocument/2006/relationships" xmlns:p="http://schemas.openxmlformats.org/presentationml/2006/main">
+<p:sld xmlns:a="http://purl.oclc.org/ooxml/drawingml/main" xmlns:r="http://purl.oclc.org/ooxml/officeDocument/relationships" xmlns:p="http://purl.oclc.org/ooxml/presentationml/main">
   <p:cSld>
     <p:spTree>
       <p:nvGrpSpPr>
@@ -1988,7 +1988,7 @@
 </file>
 
 <file path=ppt/theme/theme1.xml><?xml version="1.0" encoding="utf-8"?>
-<a:theme xmlns:a="http://schemas.openxmlformats.org/drawingml/2006/main" name="SR theme">
+<a:theme xmlns:a="http://purl.oclc.org/ooxml/drawingml/main" name="SR theme">
   <a:themeElements>
     <a:clrScheme name="Office">
       <a:dk1>
@@ -2141,25 +2141,25 @@
         </a:solidFill>
         <a:gradFill rotWithShape="1">
           <a:gsLst>
-            <a:gs pos="0">
+            <a:gs pos="0%">
               <a:schemeClr val="phClr">
-                <a:lumMod val="110000"/>
-                <a:satMod val="105000"/>
-                <a:tint val="67000"/>
+                <a:lumMod val="110%"/>
+                <a:satMod val="105%"/>
+                <a:tint val="67%"/>
               </a:schemeClr>
             </a:gs>
-            <a:gs pos="50000">
+            <a:gs pos="50%">
               <a:schemeClr val="phClr">
-                <a:lumMod val="105000"/>
-                <a:satMod val="103000"/>
-                <a:tint val="73000"/>
+                <a:lumMod val="105%"/>
+                <a:satMod val="103%"/>
+                <a:tint val="73%"/>
               </a:schemeClr>
             </a:gs>
-            <a:gs pos="100000">
+            <a:gs pos="100%">
               <a:schemeClr val="phClr">
-                <a:lumMod val="105000"/>
-                <a:satMod val="109000"/>
-                <a:tint val="81000"/>
+                <a:lumMod val="105%"/>
+                <a:satMod val="109%"/>
+                <a:tint val="81%"/>
               </a:schemeClr>
             </a:gs>
           </a:gsLst>
@@ -2167,25 +2167,25 @@
         </a:gradFill>
         <a:gradFill rotWithShape="1">
           <a:gsLst>
-            <a:gs pos="0">
+            <a:gs pos="0%">
               <a:schemeClr val="phClr">
-                <a:satMod val="103000"/>
-                <a:lumMod val="102000"/>
-                <a:tint val="94000"/>
+                <a:satMod val="103%"/>
+                <a:lumMod val="102%"/>
+                <a:tint val="94%"/>
               </a:schemeClr>
             </a:gs>
-            <a:gs pos="50000">
+            <a:gs pos="50%">
               <a:schemeClr val="phClr">
-                <a:satMod val="110000"/>
-                <a:lumMod val="100000"/>
-                <a:shade val="100000"/>
+                <a:satMod val="110%"/>
+                <a:lumMod val="100%"/>
+                <a:shade val="100%"/>
               </a:schemeClr>
             </a:gs>
-            <a:gs pos="100000">
+            <a:gs pos="100%">
               <a:schemeClr val="phClr">
-                <a:lumMod val="99000"/>
-                <a:satMod val="120000"/>
-                <a:shade val="78000"/>
+                <a:lumMod val="99%"/>
+                <a:satMod val="120%"/>
+                <a:shade val="78%"/>
               </a:schemeClr>
             </a:gs>
           </a:gsLst>
@@ -2198,21 +2198,21 @@
             <a:schemeClr val="phClr"/>
           </a:solidFill>
           <a:prstDash val="solid"/>
-          <a:miter lim="800000"/>
+          <a:miter lim="800%"/>
         </a:ln>
         <a:ln w="12700" cap="flat" cmpd="sng" algn="ctr">
           <a:solidFill>
             <a:schemeClr val="phClr"/>
           </a:solidFill>
           <a:prstDash val="solid"/>
-          <a:miter lim="800000"/>
+          <a:miter lim="800%"/>
         </a:ln>
         <a:ln w="19050" cap="flat" cmpd="sng" algn="ctr">
           <a:solidFill>
             <a:schemeClr val="phClr"/>
           </a:solidFill>
           <a:prstDash val="solid"/>
-          <a:miter lim="800000"/>
+          <a:miter lim="800%"/>
         </a:ln>
       </a:lnStyleLst>
       <a:effectStyleLst>
@@ -2226,7 +2226,7 @@
           <a:effectLst>
             <a:outerShdw blurRad="57150" dist="19050" dir="5400000" algn="ctr" rotWithShape="0">
               <a:srgbClr val="000000">
-                <a:alpha val="63000"/>
+                <a:alpha val="63%"/>
               </a:srgbClr>
             </a:outerShdw>
           </a:effectLst>
@@ -2238,32 +2238,32 @@
         </a:solidFill>
         <a:solidFill>
           <a:schemeClr val="phClr">
-            <a:tint val="95000"/>
-            <a:satMod val="170000"/>
+            <a:tint val="95%"/>
+            <a:satMod val="170%"/>
           </a:schemeClr>
         </a:solidFill>
         <a:gradFill rotWithShape="1">
           <a:gsLst>
-            <a:gs pos="0">
+            <a:gs pos="0%">
               <a:schemeClr val="phClr">
-                <a:tint val="93000"/>
-                <a:satMod val="150000"/>
-                <a:shade val="98000"/>
-                <a:lumMod val="102000"/>
+                <a:tint val="93%"/>
+                <a:satMod val="150%"/>
+                <a:shade val="98%"/>
+                <a:lumMod val="102%"/>
               </a:schemeClr>
             </a:gs>
-            <a:gs pos="50000">
+            <a:gs pos="50%">
               <a:schemeClr val="phClr">
-                <a:tint val="98000"/>
-                <a:satMod val="130000"/>
-                <a:shade val="90000"/>
-                <a:lumMod val="103000"/>
+                <a:tint val="98%"/>
+                <a:satMod val="130%"/>
+                <a:shade val="90%"/>
+                <a:lumMod val="103%"/>
               </a:schemeClr>
             </a:gs>
-            <a:gs pos="100000">
+            <a:gs pos="100%">
               <a:schemeClr val="phClr">
-                <a:shade val="63000"/>
-                <a:satMod val="120000"/>
+                <a:shade val="63%"/>
+                <a:satMod val="120%"/>
               </a:schemeClr>
             </a:gs>
           </a:gsLst>
@@ -2283,7 +2283,7 @@
 </file>
 
 <file path=ppt/theme/theme2.xml><?xml version="1.0" encoding="utf-8"?>
-<a:theme xmlns:a="http://schemas.openxmlformats.org/drawingml/2006/main" name="Office Theme">
+<a:theme xmlns:a="http://purl.oclc.org/ooxml/drawingml/main" name="Office Theme">
   <a:themeElements>
     <a:clrScheme name="Office">
       <a:dk1>
@@ -2436,25 +2436,25 @@
         </a:solidFill>
         <a:gradFill rotWithShape="1">
           <a:gsLst>
-            <a:gs pos="0">
+            <a:gs pos="0%">
               <a:schemeClr val="phClr">
-                <a:lumMod val="110000"/>
-                <a:satMod val="105000"/>
-                <a:tint val="67000"/>
+                <a:lumMod val="110%"/>
+                <a:satMod val="105%"/>
+                <a:tint val="67%"/>
               </a:schemeClr>
             </a:gs>
-            <a:gs pos="50000">
+            <a:gs pos="50%">
               <a:schemeClr val="phClr">
-                <a:lumMod val="105000"/>
-                <a:satMod val="103000"/>
-                <a:tint val="73000"/>
+                <a:lumMod val="105%"/>
+                <a:satMod val="103%"/>
+                <a:tint val="73%"/>
               </a:schemeClr>
             </a:gs>
-            <a:gs pos="100000">
+            <a:gs pos="100%">
               <a:schemeClr val="phClr">
-                <a:lumMod val="105000"/>
-                <a:satMod val="109000"/>
-                <a:tint val="81000"/>
+                <a:lumMod val="105%"/>
+                <a:satMod val="109%"/>
+                <a:tint val="81%"/>
               </a:schemeClr>
             </a:gs>
           </a:gsLst>
@@ -2462,25 +2462,25 @@
         </a:gradFill>
         <a:gradFill rotWithShape="1">
           <a:gsLst>
-            <a:gs pos="0">
+            <a:gs pos="0%">
               <a:schemeClr val="phClr">
-                <a:satMod val="103000"/>
-                <a:lumMod val="102000"/>
-                <a:tint val="94000"/>
+                <a:satMod val="103%"/>
+                <a:lumMod val="102%"/>
+                <a:tint val="94%"/>
               </a:schemeClr>
             </a:gs>
-            <a:gs pos="50000">
+            <a:gs pos="50%">
               <a:schemeClr val="phClr">
-                <a:satMod val="110000"/>
-                <a:lumMod val="100000"/>
-                <a:shade val="100000"/>
+                <a:satMod val="110%"/>
+                <a:lumMod val="100%"/>
+                <a:shade val="100%"/>
               </a:schemeClr>
             </a:gs>
-            <a:gs pos="100000">
+            <a:gs pos="100%">
               <a:schemeClr val="phClr">
-                <a:lumMod val="99000"/>
-                <a:satMod val="120000"/>
-                <a:shade val="78000"/>
+                <a:lumMod val="99%"/>
+                <a:satMod val="120%"/>
+                <a:shade val="78%"/>
               </a:schemeClr>
             </a:gs>
           </a:gsLst>
@@ -2493,21 +2493,21 @@
             <a:schemeClr val="phClr"/>
           </a:solidFill>
           <a:prstDash val="solid"/>
-          <a:miter lim="800000"/>
+          <a:miter lim="800%"/>
         </a:ln>
         <a:ln w="12700" cap="flat" cmpd="sng" algn="ctr">
           <a:solidFill>
             <a:schemeClr val="phClr"/>
           </a:solidFill>
           <a:prstDash val="solid"/>
-          <a:miter lim="800000"/>
+          <a:miter lim="800%"/>
         </a:ln>
         <a:ln w="19050" cap="flat" cmpd="sng" algn="ctr">
           <a:solidFill>
             <a:schemeClr val="phClr"/>
           </a:solidFill>
           <a:prstDash val="solid"/>
-          <a:miter lim="800000"/>
+          <a:miter lim="800%"/>
         </a:ln>
       </a:lnStyleLst>
       <a:effectStyleLst>
@@ -2521,7 +2521,7 @@
           <a:effectLst>
             <a:outerShdw blurRad="57150" dist="19050" dir="5400000" algn="ctr" rotWithShape="0">
               <a:srgbClr val="000000">
-                <a:alpha val="63000"/>
+                <a:alpha val="63%"/>
               </a:srgbClr>
             </a:outerShdw>
           </a:effectLst>
@@ -2533,32 +2533,32 @@
         </a:solidFill>
         <a:solidFill>
           <a:schemeClr val="phClr">
-            <a:tint val="95000"/>
-            <a:satMod val="170000"/>
+            <a:tint val="95%"/>
+            <a:satMod val="170%"/>
           </a:schemeClr>
         </a:solidFill>
         <a:gradFill rotWithShape="1">
           <a:gsLst>
-            <a:gs pos="0">
+            <a:gs pos="0%">
               <a:schemeClr val="phClr">
-                <a:tint val="93000"/>
-                <a:satMod val="150000"/>
-                <a:shade val="98000"/>
-                <a:lumMod val="102000"/>
+                <a:tint val="93%"/>
+                <a:satMod val="150%"/>
+                <a:shade val="98%"/>
+                <a:lumMod val="102%"/>
               </a:schemeClr>
             </a:gs>
-            <a:gs pos="50000">
+            <a:gs pos="50%">
               <a:schemeClr val="phClr">
-                <a:tint val="98000"/>
-                <a:satMod val="130000"/>
-                <a:shade val="90000"/>
-                <a:lumMod val="103000"/>
+                <a:tint val="98%"/>
+                <a:satMod val="130%"/>
+                <a:shade val="90%"/>
+                <a:lumMod val="103%"/>
               </a:schemeClr>
             </a:gs>
-            <a:gs pos="100000">
+            <a:gs pos="100%">
               <a:schemeClr val="phClr">
-                <a:shade val="63000"/>
-                <a:satMod val="120000"/>
+                <a:shade val="63%"/>
+                <a:satMod val="120%"/>
               </a:schemeClr>
             </a:gs>
           </a:gsLst>
